--- a/SpaceInvader.pptx
+++ b/SpaceInvader.pptx
@@ -6,6 +6,16 @@
   </p:sldMasterIdLst>
   <p:sldIdLst>
     <p:sldId id="256" r:id="rId2"/>
+    <p:sldId id="262" r:id="rId3"/>
+    <p:sldId id="272" r:id="rId4"/>
+    <p:sldId id="257" r:id="rId5"/>
+    <p:sldId id="265" r:id="rId6"/>
+    <p:sldId id="263" r:id="rId7"/>
+    <p:sldId id="264" r:id="rId8"/>
+    <p:sldId id="269" r:id="rId9"/>
+    <p:sldId id="270" r:id="rId10"/>
+    <p:sldId id="268" r:id="rId11"/>
+    <p:sldId id="271" r:id="rId12"/>
   </p:sldIdLst>
   <p:sldSz cx="12192000" cy="6858000"/>
   <p:notesSz cx="6858000" cy="9144000"/>
@@ -104,6 +114,11 @@
       </a:defRPr>
     </a:lvl9pPr>
   </p:defaultTextStyle>
+  <p:extLst>
+    <p:ext uri="{EFAFB233-063F-42B5-8137-9DF3F51BA10A}">
+      <p15:sldGuideLst xmlns:p15="http://schemas.microsoft.com/office/powerpoint/2012/main"/>
+    </p:ext>
+  </p:extLst>
 </p:presentation>
 </file>
 
@@ -238,7 +253,7 @@
           <a:p>
             <a:fld id="{EF04BA4B-9F97-46FD-90CA-D6725AE5145B}" type="datetimeFigureOut">
               <a:rPr lang="zh-TW" altLang="en-US" smtClean="0"/>
-              <a:t>2025/5/14</a:t>
+              <a:t>2025/6/10</a:t>
             </a:fld>
             <a:endParaRPr lang="zh-TW" altLang="en-US"/>
           </a:p>
@@ -408,7 +423,7 @@
           <a:p>
             <a:fld id="{EF04BA4B-9F97-46FD-90CA-D6725AE5145B}" type="datetimeFigureOut">
               <a:rPr lang="zh-TW" altLang="en-US" smtClean="0"/>
-              <a:t>2025/5/14</a:t>
+              <a:t>2025/6/10</a:t>
             </a:fld>
             <a:endParaRPr lang="zh-TW" altLang="en-US"/>
           </a:p>
@@ -588,7 +603,7 @@
           <a:p>
             <a:fld id="{EF04BA4B-9F97-46FD-90CA-D6725AE5145B}" type="datetimeFigureOut">
               <a:rPr lang="zh-TW" altLang="en-US" smtClean="0"/>
-              <a:t>2025/5/14</a:t>
+              <a:t>2025/6/10</a:t>
             </a:fld>
             <a:endParaRPr lang="zh-TW" altLang="en-US"/>
           </a:p>
@@ -758,7 +773,7 @@
           <a:p>
             <a:fld id="{EF04BA4B-9F97-46FD-90CA-D6725AE5145B}" type="datetimeFigureOut">
               <a:rPr lang="zh-TW" altLang="en-US" smtClean="0"/>
-              <a:t>2025/5/14</a:t>
+              <a:t>2025/6/10</a:t>
             </a:fld>
             <a:endParaRPr lang="zh-TW" altLang="en-US"/>
           </a:p>
@@ -1004,7 +1019,7 @@
           <a:p>
             <a:fld id="{EF04BA4B-9F97-46FD-90CA-D6725AE5145B}" type="datetimeFigureOut">
               <a:rPr lang="zh-TW" altLang="en-US" smtClean="0"/>
-              <a:t>2025/5/14</a:t>
+              <a:t>2025/6/10</a:t>
             </a:fld>
             <a:endParaRPr lang="zh-TW" altLang="en-US"/>
           </a:p>
@@ -1236,7 +1251,7 @@
           <a:p>
             <a:fld id="{EF04BA4B-9F97-46FD-90CA-D6725AE5145B}" type="datetimeFigureOut">
               <a:rPr lang="zh-TW" altLang="en-US" smtClean="0"/>
-              <a:t>2025/5/14</a:t>
+              <a:t>2025/6/10</a:t>
             </a:fld>
             <a:endParaRPr lang="zh-TW" altLang="en-US"/>
           </a:p>
@@ -1603,7 +1618,7 @@
           <a:p>
             <a:fld id="{EF04BA4B-9F97-46FD-90CA-D6725AE5145B}" type="datetimeFigureOut">
               <a:rPr lang="zh-TW" altLang="en-US" smtClean="0"/>
-              <a:t>2025/5/14</a:t>
+              <a:t>2025/6/10</a:t>
             </a:fld>
             <a:endParaRPr lang="zh-TW" altLang="en-US"/>
           </a:p>
@@ -1721,7 +1736,7 @@
           <a:p>
             <a:fld id="{EF04BA4B-9F97-46FD-90CA-D6725AE5145B}" type="datetimeFigureOut">
               <a:rPr lang="zh-TW" altLang="en-US" smtClean="0"/>
-              <a:t>2025/5/14</a:t>
+              <a:t>2025/6/10</a:t>
             </a:fld>
             <a:endParaRPr lang="zh-TW" altLang="en-US"/>
           </a:p>
@@ -1816,7 +1831,7 @@
           <a:p>
             <a:fld id="{EF04BA4B-9F97-46FD-90CA-D6725AE5145B}" type="datetimeFigureOut">
               <a:rPr lang="zh-TW" altLang="en-US" smtClean="0"/>
-              <a:t>2025/5/14</a:t>
+              <a:t>2025/6/10</a:t>
             </a:fld>
             <a:endParaRPr lang="zh-TW" altLang="en-US"/>
           </a:p>
@@ -2093,7 +2108,7 @@
           <a:p>
             <a:fld id="{EF04BA4B-9F97-46FD-90CA-D6725AE5145B}" type="datetimeFigureOut">
               <a:rPr lang="zh-TW" altLang="en-US" smtClean="0"/>
-              <a:t>2025/5/14</a:t>
+              <a:t>2025/6/10</a:t>
             </a:fld>
             <a:endParaRPr lang="zh-TW" altLang="en-US"/>
           </a:p>
@@ -2350,7 +2365,7 @@
           <a:p>
             <a:fld id="{EF04BA4B-9F97-46FD-90CA-D6725AE5145B}" type="datetimeFigureOut">
               <a:rPr lang="zh-TW" altLang="en-US" smtClean="0"/>
-              <a:t>2025/5/14</a:t>
+              <a:t>2025/6/10</a:t>
             </a:fld>
             <a:endParaRPr lang="zh-TW" altLang="en-US"/>
           </a:p>
@@ -2563,7 +2578,7 @@
           <a:p>
             <a:fld id="{EF04BA4B-9F97-46FD-90CA-D6725AE5145B}" type="datetimeFigureOut">
               <a:rPr lang="zh-TW" altLang="en-US" smtClean="0"/>
-              <a:t>2025/5/14</a:t>
+              <a:t>2025/6/10</a:t>
             </a:fld>
             <a:endParaRPr lang="zh-TW" altLang="en-US"/>
           </a:p>
@@ -2990,14 +3005,30 @@
           <a:lstStyle/>
           <a:p>
             <a:r>
-              <a:rPr lang="en-US" altLang="zh-TW" dirty="0"/>
-              <a:t>Space </a:t>
-            </a:r>
-            <a:r>
-              <a:rPr lang="en-US" altLang="zh-TW"/>
-              <a:t>Incader</a:t>
-            </a:r>
-            <a:endParaRPr lang="zh-TW" altLang="en-US" dirty="0"/>
+              <a:rPr lang="en-US" altLang="zh-TW" b="1" dirty="0">
+                <a:latin typeface="微軟正黑體" panose="020B0604030504040204" pitchFamily="34" charset="-120"/>
+                <a:ea typeface="微軟正黑體" panose="020B0604030504040204" pitchFamily="34" charset="-120"/>
+              </a:rPr>
+              <a:t>SPACE</a:t>
+            </a:r>
+            <a:r>
+              <a:rPr lang="zh-TW" altLang="en-US" b="1" dirty="0">
+                <a:latin typeface="微軟正黑體" panose="020B0604030504040204" pitchFamily="34" charset="-120"/>
+                <a:ea typeface="微軟正黑體" panose="020B0604030504040204" pitchFamily="34" charset="-120"/>
+              </a:rPr>
+              <a:t> </a:t>
+            </a:r>
+            <a:r>
+              <a:rPr lang="en-US" altLang="zh-TW" b="1" dirty="0">
+                <a:latin typeface="微軟正黑體" panose="020B0604030504040204" pitchFamily="34" charset="-120"/>
+                <a:ea typeface="微軟正黑體" panose="020B0604030504040204" pitchFamily="34" charset="-120"/>
+              </a:rPr>
+              <a:t>INVADER</a:t>
+            </a:r>
+            <a:endParaRPr lang="zh-TW" altLang="en-US" b="1" dirty="0">
+              <a:latin typeface="微軟正黑體" panose="020B0604030504040204" pitchFamily="34" charset="-120"/>
+              <a:ea typeface="微軟正黑體" panose="020B0604030504040204" pitchFamily="34" charset="-120"/>
+            </a:endParaRPr>
           </a:p>
         </p:txBody>
       </p:sp>
@@ -3022,7 +3053,20 @@
           <a:bodyPr/>
           <a:lstStyle/>
           <a:p>
-            <a:endParaRPr lang="zh-TW" altLang="en-US" dirty="0"/>
+            <a:r>
+              <a:rPr lang="en-GB" altLang="zh-TW" b="1" dirty="0">
+                <a:latin typeface="微軟正黑體" panose="020B0604030504040204" pitchFamily="34" charset="-120"/>
+                <a:ea typeface="微軟正黑體" panose="020B0604030504040204" pitchFamily="34" charset="-120"/>
+              </a:rPr>
+              <a:t>B11107110 </a:t>
+            </a:r>
+            <a:r>
+              <a:rPr lang="zh-TW" altLang="en-US" b="1" dirty="0">
+                <a:latin typeface="微軟正黑體" panose="020B0604030504040204" pitchFamily="34" charset="-120"/>
+                <a:ea typeface="微軟正黑體" panose="020B0604030504040204" pitchFamily="34" charset="-120"/>
+              </a:rPr>
+              <a:t>吳亮穎</a:t>
+            </a:r>
           </a:p>
         </p:txBody>
       </p:sp>
@@ -3030,6 +3074,2378 @@
     <p:extLst>
       <p:ext uri="{BB962C8B-B14F-4D97-AF65-F5344CB8AC3E}">
         <p14:creationId xmlns:p14="http://schemas.microsoft.com/office/powerpoint/2010/main" val="2314602895"/>
+      </p:ext>
+    </p:extLst>
+  </p:cSld>
+  <p:clrMapOvr>
+    <a:masterClrMapping/>
+  </p:clrMapOvr>
+</p:sld>
+</file>
+
+<file path=ppt/slides/slide10.xml><?xml version="1.0" encoding="utf-8"?>
+<p:sld xmlns:a="http://schemas.openxmlformats.org/drawingml/2006/main" xmlns:r="http://schemas.openxmlformats.org/officeDocument/2006/relationships" xmlns:p="http://schemas.openxmlformats.org/presentationml/2006/main">
+  <p:cSld>
+    <p:spTree>
+      <p:nvGrpSpPr>
+        <p:cNvPr id="1" name=""/>
+        <p:cNvGrpSpPr/>
+        <p:nvPr/>
+      </p:nvGrpSpPr>
+      <p:grpSpPr>
+        <a:xfrm>
+          <a:off x="0" y="0"/>
+          <a:ext cx="0" cy="0"/>
+          <a:chOff x="0" y="0"/>
+          <a:chExt cx="0" cy="0"/>
+        </a:xfrm>
+      </p:grpSpPr>
+      <p:sp>
+        <p:nvSpPr>
+          <p:cNvPr id="2" name="標題 1">
+            <a:extLst>
+              <a:ext uri="{FF2B5EF4-FFF2-40B4-BE49-F238E27FC236}">
+                <a16:creationId xmlns:a16="http://schemas.microsoft.com/office/drawing/2014/main" id="{38E3E93B-E7B3-4186-966B-0F3847E656A0}"/>
+              </a:ext>
+            </a:extLst>
+          </p:cNvPr>
+          <p:cNvSpPr>
+            <a:spLocks noGrp="1"/>
+          </p:cNvSpPr>
+          <p:nvPr>
+            <p:ph type="title"/>
+          </p:nvPr>
+        </p:nvSpPr>
+        <p:spPr/>
+        <p:txBody>
+          <a:bodyPr/>
+          <a:lstStyle/>
+          <a:p>
+            <a:pPr algn="ctr"/>
+            <a:r>
+              <a:rPr lang="zh-TW" altLang="en-US" b="1" dirty="0">
+                <a:latin typeface="微軟正黑體" panose="020B0604030504040204" pitchFamily="34" charset="-120"/>
+                <a:ea typeface="微軟正黑體" panose="020B0604030504040204" pitchFamily="34" charset="-120"/>
+              </a:rPr>
+              <a:t>程式介紹</a:t>
+            </a:r>
+          </a:p>
+        </p:txBody>
+      </p:sp>
+      <p:sp>
+        <p:nvSpPr>
+          <p:cNvPr id="11" name="文字方塊 10">
+            <a:extLst>
+              <a:ext uri="{FF2B5EF4-FFF2-40B4-BE49-F238E27FC236}">
+                <a16:creationId xmlns:a16="http://schemas.microsoft.com/office/drawing/2014/main" id="{41A4F8AB-C34D-4BB9-A119-A5DA7444C673}"/>
+              </a:ext>
+            </a:extLst>
+          </p:cNvPr>
+          <p:cNvSpPr txBox="1"/>
+          <p:nvPr/>
+        </p:nvSpPr>
+        <p:spPr>
+          <a:xfrm>
+            <a:off x="1162974" y="1669000"/>
+            <a:ext cx="10085033" cy="4708981"/>
+          </a:xfrm>
+          <a:prstGeom prst="rect">
+            <a:avLst/>
+          </a:prstGeom>
+          <a:noFill/>
+        </p:spPr>
+        <p:txBody>
+          <a:bodyPr wrap="square" rtlCol="0">
+            <a:spAutoFit/>
+          </a:bodyPr>
+          <a:lstStyle/>
+          <a:p>
+            <a:pPr marL="342900" indent="-342900">
+              <a:buFontTx/>
+              <a:buChar char="-"/>
+            </a:pPr>
+            <a:r>
+              <a:rPr lang="en-US" altLang="zh-TW" sz="2000" b="1" dirty="0">
+                <a:latin typeface="微軟正黑體" panose="020B0604030504040204" pitchFamily="34" charset="-120"/>
+                <a:ea typeface="微軟正黑體" panose="020B0604030504040204" pitchFamily="34" charset="-120"/>
+              </a:rPr>
+              <a:t>Player</a:t>
+            </a:r>
+            <a:r>
+              <a:rPr lang="zh-TW" altLang="en-US" sz="2000" b="1" dirty="0">
+                <a:latin typeface="微軟正黑體" panose="020B0604030504040204" pitchFamily="34" charset="-120"/>
+                <a:ea typeface="微軟正黑體" panose="020B0604030504040204" pitchFamily="34" charset="-120"/>
+              </a:rPr>
+              <a:t>：處理玩家繪製、移動、翻滾、攻擊、受傷、獲取經驗的判斷</a:t>
+            </a:r>
+            <a:endParaRPr lang="en-US" altLang="zh-TW" sz="2000" b="1" dirty="0">
+              <a:latin typeface="微軟正黑體" panose="020B0604030504040204" pitchFamily="34" charset="-120"/>
+              <a:ea typeface="微軟正黑體" panose="020B0604030504040204" pitchFamily="34" charset="-120"/>
+            </a:endParaRPr>
+          </a:p>
+          <a:p>
+            <a:endParaRPr lang="en-GB" altLang="zh-TW" sz="2000" b="1" dirty="0">
+              <a:latin typeface="微軟正黑體" panose="020B0604030504040204" pitchFamily="34" charset="-120"/>
+              <a:ea typeface="微軟正黑體" panose="020B0604030504040204" pitchFamily="34" charset="-120"/>
+            </a:endParaRPr>
+          </a:p>
+          <a:p>
+            <a:pPr marL="342900" indent="-342900">
+              <a:buFontTx/>
+              <a:buChar char="-"/>
+            </a:pPr>
+            <a:r>
+              <a:rPr lang="en-US" altLang="zh-TW" sz="2000" b="1" dirty="0">
+                <a:latin typeface="微軟正黑體" panose="020B0604030504040204" pitchFamily="34" charset="-120"/>
+                <a:ea typeface="微軟正黑體" panose="020B0604030504040204" pitchFamily="34" charset="-120"/>
+              </a:rPr>
+              <a:t>Enemy</a:t>
+            </a:r>
+            <a:r>
+              <a:rPr lang="zh-TW" altLang="en-US" sz="2000" b="1" dirty="0">
+                <a:latin typeface="微軟正黑體" panose="020B0604030504040204" pitchFamily="34" charset="-120"/>
+                <a:ea typeface="微軟正黑體" panose="020B0604030504040204" pitchFamily="34" charset="-120"/>
+              </a:rPr>
+              <a:t>：處理敵人繪製、移動、翻滾、攻擊、受傷、獲取經驗的判斷</a:t>
+            </a:r>
+            <a:endParaRPr lang="en-US" altLang="zh-TW" sz="2000" b="1" dirty="0">
+              <a:latin typeface="微軟正黑體" panose="020B0604030504040204" pitchFamily="34" charset="-120"/>
+              <a:ea typeface="微軟正黑體" panose="020B0604030504040204" pitchFamily="34" charset="-120"/>
+            </a:endParaRPr>
+          </a:p>
+          <a:p>
+            <a:pPr marL="800100" lvl="1" indent="-342900">
+              <a:buFontTx/>
+              <a:buChar char="-"/>
+            </a:pPr>
+            <a:r>
+              <a:rPr lang="en-US" altLang="zh-TW" sz="2000" b="1" dirty="0">
+                <a:latin typeface="微軟正黑體" panose="020B0604030504040204" pitchFamily="34" charset="-120"/>
+                <a:ea typeface="微軟正黑體" panose="020B0604030504040204" pitchFamily="34" charset="-120"/>
+              </a:rPr>
+              <a:t>Triangle</a:t>
+            </a:r>
+          </a:p>
+          <a:p>
+            <a:pPr marL="1257300" lvl="2" indent="-342900">
+              <a:buFontTx/>
+              <a:buChar char="-"/>
+            </a:pPr>
+            <a:r>
+              <a:rPr lang="en-US" altLang="zh-TW" sz="2000" b="1" dirty="0" err="1">
+                <a:latin typeface="微軟正黑體" panose="020B0604030504040204" pitchFamily="34" charset="-120"/>
+                <a:ea typeface="微軟正黑體" panose="020B0604030504040204" pitchFamily="34" charset="-120"/>
+              </a:rPr>
+              <a:t>BigTriangle</a:t>
+            </a:r>
+            <a:endParaRPr lang="en-US" altLang="zh-TW" sz="2000" b="1" dirty="0">
+              <a:latin typeface="微軟正黑體" panose="020B0604030504040204" pitchFamily="34" charset="-120"/>
+              <a:ea typeface="微軟正黑體" panose="020B0604030504040204" pitchFamily="34" charset="-120"/>
+            </a:endParaRPr>
+          </a:p>
+          <a:p>
+            <a:pPr marL="800100" lvl="1" indent="-342900">
+              <a:buFontTx/>
+              <a:buChar char="-"/>
+            </a:pPr>
+            <a:r>
+              <a:rPr lang="en-US" altLang="zh-TW" sz="2000" b="1" dirty="0">
+                <a:latin typeface="微軟正黑體" panose="020B0604030504040204" pitchFamily="34" charset="-120"/>
+                <a:ea typeface="微軟正黑體" panose="020B0604030504040204" pitchFamily="34" charset="-120"/>
+              </a:rPr>
+              <a:t>Square</a:t>
+            </a:r>
+          </a:p>
+          <a:p>
+            <a:pPr marL="1257300" lvl="2" indent="-342900">
+              <a:buFontTx/>
+              <a:buChar char="-"/>
+            </a:pPr>
+            <a:r>
+              <a:rPr lang="en-US" altLang="zh-TW" sz="2000" b="1" dirty="0" err="1">
+                <a:latin typeface="微軟正黑體" panose="020B0604030504040204" pitchFamily="34" charset="-120"/>
+                <a:ea typeface="微軟正黑體" panose="020B0604030504040204" pitchFamily="34" charset="-120"/>
+              </a:rPr>
+              <a:t>BigSquare</a:t>
+            </a:r>
+            <a:endParaRPr lang="en-US" altLang="zh-TW" sz="2000" b="1" dirty="0">
+              <a:latin typeface="微軟正黑體" panose="020B0604030504040204" pitchFamily="34" charset="-120"/>
+              <a:ea typeface="微軟正黑體" panose="020B0604030504040204" pitchFamily="34" charset="-120"/>
+            </a:endParaRPr>
+          </a:p>
+          <a:p>
+            <a:pPr marL="1257300" lvl="2" indent="-342900">
+              <a:buFontTx/>
+              <a:buChar char="-"/>
+            </a:pPr>
+            <a:endParaRPr lang="en-US" altLang="zh-TW" sz="2000" b="1" dirty="0">
+              <a:latin typeface="微軟正黑體" panose="020B0604030504040204" pitchFamily="34" charset="-120"/>
+              <a:ea typeface="微軟正黑體" panose="020B0604030504040204" pitchFamily="34" charset="-120"/>
+            </a:endParaRPr>
+          </a:p>
+          <a:p>
+            <a:pPr marL="342900" indent="-342900">
+              <a:buFontTx/>
+              <a:buChar char="-"/>
+            </a:pPr>
+            <a:r>
+              <a:rPr lang="en-US" altLang="zh-TW" sz="2000" b="1" dirty="0">
+                <a:latin typeface="微軟正黑體" panose="020B0604030504040204" pitchFamily="34" charset="-120"/>
+                <a:ea typeface="微軟正黑體" panose="020B0604030504040204" pitchFamily="34" charset="-120"/>
+              </a:rPr>
+              <a:t>Bullet</a:t>
+            </a:r>
+            <a:r>
+              <a:rPr lang="zh-TW" altLang="en-US" sz="2000" b="1" dirty="0">
+                <a:latin typeface="微軟正黑體" panose="020B0604030504040204" pitchFamily="34" charset="-120"/>
+                <a:ea typeface="微軟正黑體" panose="020B0604030504040204" pitchFamily="34" charset="-120"/>
+              </a:rPr>
+              <a:t>：處理玩家、敵人子彈的移動、碰撞</a:t>
+            </a:r>
+            <a:endParaRPr lang="en-US" altLang="zh-TW" sz="2000" b="1" dirty="0">
+              <a:latin typeface="微軟正黑體" panose="020B0604030504040204" pitchFamily="34" charset="-120"/>
+              <a:ea typeface="微軟正黑體" panose="020B0604030504040204" pitchFamily="34" charset="-120"/>
+            </a:endParaRPr>
+          </a:p>
+          <a:p>
+            <a:pPr marL="342900" indent="-342900">
+              <a:buFontTx/>
+              <a:buChar char="-"/>
+            </a:pPr>
+            <a:endParaRPr lang="en-US" altLang="zh-TW" sz="2000" b="1" dirty="0">
+              <a:latin typeface="微軟正黑體" panose="020B0604030504040204" pitchFamily="34" charset="-120"/>
+              <a:ea typeface="微軟正黑體" panose="020B0604030504040204" pitchFamily="34" charset="-120"/>
+            </a:endParaRPr>
+          </a:p>
+          <a:p>
+            <a:pPr marL="342900" indent="-342900">
+              <a:buFontTx/>
+              <a:buChar char="-"/>
+            </a:pPr>
+            <a:r>
+              <a:rPr lang="en-US" altLang="zh-TW" sz="2000" b="1" dirty="0">
+                <a:latin typeface="微軟正黑體" panose="020B0604030504040204" pitchFamily="34" charset="-120"/>
+                <a:ea typeface="微軟正黑體" panose="020B0604030504040204" pitchFamily="34" charset="-120"/>
+              </a:rPr>
+              <a:t>Explode</a:t>
+            </a:r>
+            <a:r>
+              <a:rPr lang="zh-TW" altLang="en-US" sz="2000" b="1" dirty="0">
+                <a:latin typeface="微軟正黑體" panose="020B0604030504040204" pitchFamily="34" charset="-120"/>
+                <a:ea typeface="微軟正黑體" panose="020B0604030504040204" pitchFamily="34" charset="-120"/>
+              </a:rPr>
+              <a:t>：處理玩家、敵人子彈爆炸的碰撞</a:t>
+            </a:r>
+            <a:endParaRPr lang="en-US" altLang="zh-TW" sz="2000" b="1" dirty="0">
+              <a:latin typeface="微軟正黑體" panose="020B0604030504040204" pitchFamily="34" charset="-120"/>
+              <a:ea typeface="微軟正黑體" panose="020B0604030504040204" pitchFamily="34" charset="-120"/>
+            </a:endParaRPr>
+          </a:p>
+          <a:p>
+            <a:pPr marL="342900" indent="-342900">
+              <a:buFontTx/>
+              <a:buChar char="-"/>
+            </a:pPr>
+            <a:endParaRPr lang="en-US" altLang="zh-TW" sz="2000" b="1" dirty="0">
+              <a:latin typeface="微軟正黑體" panose="020B0604030504040204" pitchFamily="34" charset="-120"/>
+              <a:ea typeface="微軟正黑體" panose="020B0604030504040204" pitchFamily="34" charset="-120"/>
+            </a:endParaRPr>
+          </a:p>
+          <a:p>
+            <a:pPr marL="342900" indent="-342900">
+              <a:buFontTx/>
+              <a:buChar char="-"/>
+            </a:pPr>
+            <a:r>
+              <a:rPr lang="en-US" altLang="zh-TW" sz="2000" b="1" dirty="0">
+                <a:latin typeface="微軟正黑體" panose="020B0604030504040204" pitchFamily="34" charset="-120"/>
+                <a:ea typeface="微軟正黑體" panose="020B0604030504040204" pitchFamily="34" charset="-120"/>
+              </a:rPr>
+              <a:t>Coin</a:t>
+            </a:r>
+            <a:r>
+              <a:rPr lang="zh-TW" altLang="en-US" sz="2000" b="1" dirty="0">
+                <a:latin typeface="微軟正黑體" panose="020B0604030504040204" pitchFamily="34" charset="-120"/>
+                <a:ea typeface="微軟正黑體" panose="020B0604030504040204" pitchFamily="34" charset="-120"/>
+              </a:rPr>
+              <a:t>：處理經驗值的移動、碰撞</a:t>
+            </a:r>
+            <a:endParaRPr lang="en-US" altLang="zh-TW" sz="2000" b="1" dirty="0">
+              <a:latin typeface="微軟正黑體" panose="020B0604030504040204" pitchFamily="34" charset="-120"/>
+              <a:ea typeface="微軟正黑體" panose="020B0604030504040204" pitchFamily="34" charset="-120"/>
+            </a:endParaRPr>
+          </a:p>
+          <a:p>
+            <a:pPr marL="342900" indent="-342900">
+              <a:buFontTx/>
+              <a:buChar char="-"/>
+            </a:pPr>
+            <a:endParaRPr lang="en-GB" altLang="zh-TW" sz="2000" b="1" dirty="0">
+              <a:latin typeface="微軟正黑體" panose="020B0604030504040204" pitchFamily="34" charset="-120"/>
+              <a:ea typeface="微軟正黑體" panose="020B0604030504040204" pitchFamily="34" charset="-120"/>
+            </a:endParaRPr>
+          </a:p>
+          <a:p>
+            <a:endParaRPr lang="en-GB" altLang="zh-TW" sz="2000" b="1" dirty="0">
+              <a:effectLst/>
+              <a:latin typeface="微軟正黑體" panose="020B0604030504040204" pitchFamily="34" charset="-120"/>
+              <a:ea typeface="微軟正黑體" panose="020B0604030504040204" pitchFamily="34" charset="-120"/>
+            </a:endParaRPr>
+          </a:p>
+        </p:txBody>
+      </p:sp>
+    </p:spTree>
+    <p:extLst>
+      <p:ext uri="{BB962C8B-B14F-4D97-AF65-F5344CB8AC3E}">
+        <p14:creationId xmlns:p14="http://schemas.microsoft.com/office/powerpoint/2010/main" val="1420410148"/>
+      </p:ext>
+    </p:extLst>
+  </p:cSld>
+  <p:clrMapOvr>
+    <a:masterClrMapping/>
+  </p:clrMapOvr>
+</p:sld>
+</file>
+
+<file path=ppt/slides/slide11.xml><?xml version="1.0" encoding="utf-8"?>
+<p:sld xmlns:a="http://schemas.openxmlformats.org/drawingml/2006/main" xmlns:r="http://schemas.openxmlformats.org/officeDocument/2006/relationships" xmlns:p="http://schemas.openxmlformats.org/presentationml/2006/main">
+  <p:cSld>
+    <p:spTree>
+      <p:nvGrpSpPr>
+        <p:cNvPr id="1" name=""/>
+        <p:cNvGrpSpPr/>
+        <p:nvPr/>
+      </p:nvGrpSpPr>
+      <p:grpSpPr>
+        <a:xfrm>
+          <a:off x="0" y="0"/>
+          <a:ext cx="0" cy="0"/>
+          <a:chOff x="0" y="0"/>
+          <a:chExt cx="0" cy="0"/>
+        </a:xfrm>
+      </p:grpSpPr>
+      <p:sp>
+        <p:nvSpPr>
+          <p:cNvPr id="4" name="文字方塊 3">
+            <a:extLst>
+              <a:ext uri="{FF2B5EF4-FFF2-40B4-BE49-F238E27FC236}">
+                <a16:creationId xmlns:a16="http://schemas.microsoft.com/office/drawing/2014/main" id="{3D9C43A8-42FA-4F02-B98A-806F0F09124C}"/>
+              </a:ext>
+            </a:extLst>
+          </p:cNvPr>
+          <p:cNvSpPr txBox="1"/>
+          <p:nvPr/>
+        </p:nvSpPr>
+        <p:spPr>
+          <a:xfrm>
+            <a:off x="4138957" y="2921168"/>
+            <a:ext cx="3914085" cy="1015663"/>
+          </a:xfrm>
+          <a:prstGeom prst="rect">
+            <a:avLst/>
+          </a:prstGeom>
+          <a:noFill/>
+        </p:spPr>
+        <p:txBody>
+          <a:bodyPr wrap="none" rtlCol="0">
+            <a:spAutoFit/>
+          </a:bodyPr>
+          <a:lstStyle/>
+          <a:p>
+            <a:r>
+              <a:rPr lang="en-US" altLang="zh-TW" sz="6000" dirty="0">
+                <a:latin typeface="微軟正黑體" panose="020B0604030504040204" pitchFamily="34" charset="-120"/>
+                <a:ea typeface="微軟正黑體" panose="020B0604030504040204" pitchFamily="34" charset="-120"/>
+              </a:rPr>
+              <a:t>Thank</a:t>
+            </a:r>
+            <a:r>
+              <a:rPr lang="zh-TW" altLang="en-US" sz="6000" dirty="0">
+                <a:latin typeface="微軟正黑體" panose="020B0604030504040204" pitchFamily="34" charset="-120"/>
+                <a:ea typeface="微軟正黑體" panose="020B0604030504040204" pitchFamily="34" charset="-120"/>
+              </a:rPr>
+              <a:t> </a:t>
+            </a:r>
+            <a:r>
+              <a:rPr lang="en-US" altLang="zh-TW" sz="6000" dirty="0">
+                <a:latin typeface="微軟正黑體" panose="020B0604030504040204" pitchFamily="34" charset="-120"/>
+                <a:ea typeface="微軟正黑體" panose="020B0604030504040204" pitchFamily="34" charset="-120"/>
+              </a:rPr>
+              <a:t>You</a:t>
+            </a:r>
+            <a:endParaRPr lang="zh-TW" altLang="en-US" sz="6000" dirty="0">
+              <a:latin typeface="微軟正黑體" panose="020B0604030504040204" pitchFamily="34" charset="-120"/>
+              <a:ea typeface="微軟正黑體" panose="020B0604030504040204" pitchFamily="34" charset="-120"/>
+            </a:endParaRPr>
+          </a:p>
+        </p:txBody>
+      </p:sp>
+    </p:spTree>
+    <p:extLst>
+      <p:ext uri="{BB962C8B-B14F-4D97-AF65-F5344CB8AC3E}">
+        <p14:creationId xmlns:p14="http://schemas.microsoft.com/office/powerpoint/2010/main" val="3038405807"/>
+      </p:ext>
+    </p:extLst>
+  </p:cSld>
+  <p:clrMapOvr>
+    <a:masterClrMapping/>
+  </p:clrMapOvr>
+</p:sld>
+</file>
+
+<file path=ppt/slides/slide2.xml><?xml version="1.0" encoding="utf-8"?>
+<p:sld xmlns:a="http://schemas.openxmlformats.org/drawingml/2006/main" xmlns:r="http://schemas.openxmlformats.org/officeDocument/2006/relationships" xmlns:p="http://schemas.openxmlformats.org/presentationml/2006/main">
+  <p:cSld>
+    <p:spTree>
+      <p:nvGrpSpPr>
+        <p:cNvPr id="1" name=""/>
+        <p:cNvGrpSpPr/>
+        <p:nvPr/>
+      </p:nvGrpSpPr>
+      <p:grpSpPr>
+        <a:xfrm>
+          <a:off x="0" y="0"/>
+          <a:ext cx="0" cy="0"/>
+          <a:chOff x="0" y="0"/>
+          <a:chExt cx="0" cy="0"/>
+        </a:xfrm>
+      </p:grpSpPr>
+      <p:sp>
+        <p:nvSpPr>
+          <p:cNvPr id="2" name="標題 1">
+            <a:extLst>
+              <a:ext uri="{FF2B5EF4-FFF2-40B4-BE49-F238E27FC236}">
+                <a16:creationId xmlns:a16="http://schemas.microsoft.com/office/drawing/2014/main" id="{38E3E93B-E7B3-4186-966B-0F3847E656A0}"/>
+              </a:ext>
+            </a:extLst>
+          </p:cNvPr>
+          <p:cNvSpPr>
+            <a:spLocks noGrp="1"/>
+          </p:cNvSpPr>
+          <p:nvPr>
+            <p:ph type="title"/>
+          </p:nvPr>
+        </p:nvSpPr>
+        <p:spPr/>
+        <p:txBody>
+          <a:bodyPr/>
+          <a:lstStyle/>
+          <a:p>
+            <a:pPr algn="ctr"/>
+            <a:r>
+              <a:rPr lang="zh-TW" altLang="en-US" b="1" dirty="0">
+                <a:latin typeface="微軟正黑體" panose="020B0604030504040204" pitchFamily="34" charset="-120"/>
+                <a:ea typeface="微軟正黑體" panose="020B0604030504040204" pitchFamily="34" charset="-120"/>
+              </a:rPr>
+              <a:t>遊戲介紹 </a:t>
+            </a:r>
+            <a:r>
+              <a:rPr lang="en-US" altLang="zh-TW" b="1" dirty="0">
+                <a:latin typeface="微軟正黑體" panose="020B0604030504040204" pitchFamily="34" charset="-120"/>
+                <a:ea typeface="微軟正黑體" panose="020B0604030504040204" pitchFamily="34" charset="-120"/>
+              </a:rPr>
+              <a:t>– </a:t>
+            </a:r>
+            <a:r>
+              <a:rPr lang="zh-TW" altLang="en-US" b="1" dirty="0">
+                <a:latin typeface="微軟正黑體" panose="020B0604030504040204" pitchFamily="34" charset="-120"/>
+                <a:ea typeface="微軟正黑體" panose="020B0604030504040204" pitchFamily="34" charset="-120"/>
+              </a:rPr>
+              <a:t>開始介面</a:t>
+            </a:r>
+          </a:p>
+        </p:txBody>
+      </p:sp>
+      <p:sp>
+        <p:nvSpPr>
+          <p:cNvPr id="17" name="矩形 16">
+            <a:extLst>
+              <a:ext uri="{FF2B5EF4-FFF2-40B4-BE49-F238E27FC236}">
+                <a16:creationId xmlns:a16="http://schemas.microsoft.com/office/drawing/2014/main" id="{0029FBB4-ADA8-4A49-9D53-3E4EA21414B2}"/>
+              </a:ext>
+            </a:extLst>
+          </p:cNvPr>
+          <p:cNvSpPr/>
+          <p:nvPr/>
+        </p:nvSpPr>
+        <p:spPr>
+          <a:xfrm>
+            <a:off x="2492502" y="2314066"/>
+            <a:ext cx="7206996" cy="4178809"/>
+          </a:xfrm>
+          <a:prstGeom prst="rect">
+            <a:avLst/>
+          </a:prstGeom>
+          <a:solidFill>
+            <a:schemeClr val="tx1"/>
+          </a:solidFill>
+        </p:spPr>
+        <p:style>
+          <a:lnRef idx="2">
+            <a:schemeClr val="accent1">
+              <a:shade val="50000"/>
+            </a:schemeClr>
+          </a:lnRef>
+          <a:fillRef idx="1">
+            <a:schemeClr val="accent1"/>
+          </a:fillRef>
+          <a:effectRef idx="0">
+            <a:schemeClr val="accent1"/>
+          </a:effectRef>
+          <a:fontRef idx="minor">
+            <a:schemeClr val="lt1"/>
+          </a:fontRef>
+        </p:style>
+        <p:txBody>
+          <a:bodyPr rtlCol="0" anchor="ctr"/>
+          <a:lstStyle/>
+          <a:p>
+            <a:pPr algn="ctr"/>
+            <a:endParaRPr lang="zh-TW" altLang="en-US"/>
+          </a:p>
+        </p:txBody>
+      </p:sp>
+      <p:pic>
+        <p:nvPicPr>
+          <p:cNvPr id="5" name="圖片 4">
+            <a:extLst>
+              <a:ext uri="{FF2B5EF4-FFF2-40B4-BE49-F238E27FC236}">
+                <a16:creationId xmlns:a16="http://schemas.microsoft.com/office/drawing/2014/main" id="{86CB243D-3641-42E5-9323-7485DA948A95}"/>
+              </a:ext>
+            </a:extLst>
+          </p:cNvPr>
+          <p:cNvPicPr>
+            <a:picLocks noChangeAspect="1"/>
+          </p:cNvPicPr>
+          <p:nvPr/>
+        </p:nvPicPr>
+        <p:blipFill rotWithShape="1">
+          <a:blip r:embed="rId2"/>
+          <a:srcRect t="4401"/>
+          <a:stretch/>
+        </p:blipFill>
+        <p:spPr>
+          <a:xfrm>
+            <a:off x="2988461" y="2678552"/>
+            <a:ext cx="6208735" cy="3486440"/>
+          </a:xfrm>
+          <a:prstGeom prst="rect">
+            <a:avLst/>
+          </a:prstGeom>
+        </p:spPr>
+      </p:pic>
+    </p:spTree>
+    <p:extLst>
+      <p:ext uri="{BB962C8B-B14F-4D97-AF65-F5344CB8AC3E}">
+        <p14:creationId xmlns:p14="http://schemas.microsoft.com/office/powerpoint/2010/main" val="3065754298"/>
+      </p:ext>
+    </p:extLst>
+  </p:cSld>
+  <p:clrMapOvr>
+    <a:masterClrMapping/>
+  </p:clrMapOvr>
+</p:sld>
+</file>
+
+<file path=ppt/slides/slide3.xml><?xml version="1.0" encoding="utf-8"?>
+<p:sld xmlns:a="http://schemas.openxmlformats.org/drawingml/2006/main" xmlns:r="http://schemas.openxmlformats.org/officeDocument/2006/relationships" xmlns:p="http://schemas.openxmlformats.org/presentationml/2006/main">
+  <p:cSld>
+    <p:spTree>
+      <p:nvGrpSpPr>
+        <p:cNvPr id="1" name=""/>
+        <p:cNvGrpSpPr/>
+        <p:nvPr/>
+      </p:nvGrpSpPr>
+      <p:grpSpPr>
+        <a:xfrm>
+          <a:off x="0" y="0"/>
+          <a:ext cx="0" cy="0"/>
+          <a:chOff x="0" y="0"/>
+          <a:chExt cx="0" cy="0"/>
+        </a:xfrm>
+      </p:grpSpPr>
+      <p:sp>
+        <p:nvSpPr>
+          <p:cNvPr id="2" name="標題 1">
+            <a:extLst>
+              <a:ext uri="{FF2B5EF4-FFF2-40B4-BE49-F238E27FC236}">
+                <a16:creationId xmlns:a16="http://schemas.microsoft.com/office/drawing/2014/main" id="{38E3E93B-E7B3-4186-966B-0F3847E656A0}"/>
+              </a:ext>
+            </a:extLst>
+          </p:cNvPr>
+          <p:cNvSpPr>
+            <a:spLocks noGrp="1"/>
+          </p:cNvSpPr>
+          <p:nvPr>
+            <p:ph type="title"/>
+          </p:nvPr>
+        </p:nvSpPr>
+        <p:spPr/>
+        <p:txBody>
+          <a:bodyPr/>
+          <a:lstStyle/>
+          <a:p>
+            <a:pPr algn="ctr"/>
+            <a:r>
+              <a:rPr lang="zh-TW" altLang="en-US" b="1" dirty="0">
+                <a:latin typeface="微軟正黑體" panose="020B0604030504040204" pitchFamily="34" charset="-120"/>
+                <a:ea typeface="微軟正黑體" panose="020B0604030504040204" pitchFamily="34" charset="-120"/>
+              </a:rPr>
+              <a:t>遊戲介紹 </a:t>
+            </a:r>
+            <a:r>
+              <a:rPr lang="en-US" altLang="zh-TW" b="1" dirty="0">
+                <a:latin typeface="微軟正黑體" panose="020B0604030504040204" pitchFamily="34" charset="-120"/>
+                <a:ea typeface="微軟正黑體" panose="020B0604030504040204" pitchFamily="34" charset="-120"/>
+              </a:rPr>
+              <a:t>- </a:t>
+            </a:r>
+            <a:r>
+              <a:rPr lang="zh-TW" altLang="en-US" b="1" dirty="0">
+                <a:latin typeface="微軟正黑體" panose="020B0604030504040204" pitchFamily="34" charset="-120"/>
+                <a:ea typeface="微軟正黑體" panose="020B0604030504040204" pitchFamily="34" charset="-120"/>
+              </a:rPr>
+              <a:t>設定介面</a:t>
+            </a:r>
+          </a:p>
+        </p:txBody>
+      </p:sp>
+      <p:grpSp>
+        <p:nvGrpSpPr>
+          <p:cNvPr id="6" name="群組 5">
+            <a:extLst>
+              <a:ext uri="{FF2B5EF4-FFF2-40B4-BE49-F238E27FC236}">
+                <a16:creationId xmlns:a16="http://schemas.microsoft.com/office/drawing/2014/main" id="{F0144B48-7776-4D9F-A144-53BE0D7A8AFD}"/>
+              </a:ext>
+            </a:extLst>
+          </p:cNvPr>
+          <p:cNvGrpSpPr/>
+          <p:nvPr/>
+        </p:nvGrpSpPr>
+        <p:grpSpPr>
+          <a:xfrm>
+            <a:off x="2492502" y="2314066"/>
+            <a:ext cx="7206996" cy="4178809"/>
+            <a:chOff x="2492502" y="2314066"/>
+            <a:chExt cx="7206996" cy="4178809"/>
+          </a:xfrm>
+        </p:grpSpPr>
+        <p:sp>
+          <p:nvSpPr>
+            <p:cNvPr id="17" name="矩形 16">
+              <a:extLst>
+                <a:ext uri="{FF2B5EF4-FFF2-40B4-BE49-F238E27FC236}">
+                  <a16:creationId xmlns:a16="http://schemas.microsoft.com/office/drawing/2014/main" id="{0029FBB4-ADA8-4A49-9D53-3E4EA21414B2}"/>
+                </a:ext>
+              </a:extLst>
+            </p:cNvPr>
+            <p:cNvSpPr/>
+            <p:nvPr/>
+          </p:nvSpPr>
+          <p:spPr>
+            <a:xfrm>
+              <a:off x="2492502" y="2314066"/>
+              <a:ext cx="7206996" cy="4178809"/>
+            </a:xfrm>
+            <a:prstGeom prst="rect">
+              <a:avLst/>
+            </a:prstGeom>
+            <a:solidFill>
+              <a:schemeClr val="tx1"/>
+            </a:solidFill>
+          </p:spPr>
+          <p:style>
+            <a:lnRef idx="2">
+              <a:schemeClr val="accent1">
+                <a:shade val="50000"/>
+              </a:schemeClr>
+            </a:lnRef>
+            <a:fillRef idx="1">
+              <a:schemeClr val="accent1"/>
+            </a:fillRef>
+            <a:effectRef idx="0">
+              <a:schemeClr val="accent1"/>
+            </a:effectRef>
+            <a:fontRef idx="minor">
+              <a:schemeClr val="lt1"/>
+            </a:fontRef>
+          </p:style>
+          <p:txBody>
+            <a:bodyPr rtlCol="0" anchor="ctr"/>
+            <a:lstStyle/>
+            <a:p>
+              <a:pPr algn="ctr"/>
+              <a:endParaRPr lang="zh-TW" altLang="en-US"/>
+            </a:p>
+          </p:txBody>
+        </p:sp>
+        <p:pic>
+          <p:nvPicPr>
+            <p:cNvPr id="4" name="圖片 3">
+              <a:extLst>
+                <a:ext uri="{FF2B5EF4-FFF2-40B4-BE49-F238E27FC236}">
+                  <a16:creationId xmlns:a16="http://schemas.microsoft.com/office/drawing/2014/main" id="{AF974016-12C4-4C4A-9496-7D5F805E634A}"/>
+                </a:ext>
+              </a:extLst>
+            </p:cNvPr>
+            <p:cNvPicPr>
+              <a:picLocks noChangeAspect="1"/>
+            </p:cNvPicPr>
+            <p:nvPr/>
+          </p:nvPicPr>
+          <p:blipFill>
+            <a:blip r:embed="rId2"/>
+            <a:stretch>
+              <a:fillRect/>
+            </a:stretch>
+          </p:blipFill>
+          <p:spPr>
+            <a:xfrm>
+              <a:off x="2986897" y="2678552"/>
+              <a:ext cx="6198976" cy="3486440"/>
+            </a:xfrm>
+            <a:prstGeom prst="rect">
+              <a:avLst/>
+            </a:prstGeom>
+          </p:spPr>
+        </p:pic>
+      </p:grpSp>
+    </p:spTree>
+    <p:extLst>
+      <p:ext uri="{BB962C8B-B14F-4D97-AF65-F5344CB8AC3E}">
+        <p14:creationId xmlns:p14="http://schemas.microsoft.com/office/powerpoint/2010/main" val="3289325617"/>
+      </p:ext>
+    </p:extLst>
+  </p:cSld>
+  <p:clrMapOvr>
+    <a:masterClrMapping/>
+  </p:clrMapOvr>
+</p:sld>
+</file>
+
+<file path=ppt/slides/slide4.xml><?xml version="1.0" encoding="utf-8"?>
+<p:sld xmlns:a="http://schemas.openxmlformats.org/drawingml/2006/main" xmlns:r="http://schemas.openxmlformats.org/officeDocument/2006/relationships" xmlns:p="http://schemas.openxmlformats.org/presentationml/2006/main">
+  <p:cSld>
+    <p:spTree>
+      <p:nvGrpSpPr>
+        <p:cNvPr id="1" name=""/>
+        <p:cNvGrpSpPr/>
+        <p:nvPr/>
+      </p:nvGrpSpPr>
+      <p:grpSpPr>
+        <a:xfrm>
+          <a:off x="0" y="0"/>
+          <a:ext cx="0" cy="0"/>
+          <a:chOff x="0" y="0"/>
+          <a:chExt cx="0" cy="0"/>
+        </a:xfrm>
+      </p:grpSpPr>
+      <p:sp>
+        <p:nvSpPr>
+          <p:cNvPr id="2" name="標題 1">
+            <a:extLst>
+              <a:ext uri="{FF2B5EF4-FFF2-40B4-BE49-F238E27FC236}">
+                <a16:creationId xmlns:a16="http://schemas.microsoft.com/office/drawing/2014/main" id="{38E3E93B-E7B3-4186-966B-0F3847E656A0}"/>
+              </a:ext>
+            </a:extLst>
+          </p:cNvPr>
+          <p:cNvSpPr>
+            <a:spLocks noGrp="1"/>
+          </p:cNvSpPr>
+          <p:nvPr>
+            <p:ph type="title"/>
+          </p:nvPr>
+        </p:nvSpPr>
+        <p:spPr/>
+        <p:txBody>
+          <a:bodyPr/>
+          <a:lstStyle/>
+          <a:p>
+            <a:pPr algn="ctr"/>
+            <a:r>
+              <a:rPr lang="zh-TW" altLang="en-US" b="1" dirty="0">
+                <a:latin typeface="微軟正黑體" panose="020B0604030504040204" pitchFamily="34" charset="-120"/>
+                <a:ea typeface="微軟正黑體" panose="020B0604030504040204" pitchFamily="34" charset="-120"/>
+              </a:rPr>
+              <a:t>遊戲介紹 </a:t>
+            </a:r>
+            <a:r>
+              <a:rPr lang="en-US" altLang="zh-TW" b="1" dirty="0">
+                <a:latin typeface="微軟正黑體" panose="020B0604030504040204" pitchFamily="34" charset="-120"/>
+                <a:ea typeface="微軟正黑體" panose="020B0604030504040204" pitchFamily="34" charset="-120"/>
+              </a:rPr>
+              <a:t>- </a:t>
+            </a:r>
+            <a:r>
+              <a:rPr lang="zh-TW" altLang="en-US" b="1" dirty="0">
+                <a:latin typeface="微軟正黑體" panose="020B0604030504040204" pitchFamily="34" charset="-120"/>
+                <a:ea typeface="微軟正黑體" panose="020B0604030504040204" pitchFamily="34" charset="-120"/>
+              </a:rPr>
+              <a:t>操作</a:t>
+            </a:r>
+          </a:p>
+        </p:txBody>
+      </p:sp>
+      <p:grpSp>
+        <p:nvGrpSpPr>
+          <p:cNvPr id="24" name="群組 23">
+            <a:extLst>
+              <a:ext uri="{FF2B5EF4-FFF2-40B4-BE49-F238E27FC236}">
+                <a16:creationId xmlns:a16="http://schemas.microsoft.com/office/drawing/2014/main" id="{2F23A8A9-C698-410F-9954-23EAA1F8361D}"/>
+              </a:ext>
+            </a:extLst>
+          </p:cNvPr>
+          <p:cNvGrpSpPr/>
+          <p:nvPr/>
+        </p:nvGrpSpPr>
+        <p:grpSpPr>
+          <a:xfrm>
+            <a:off x="733044" y="3210179"/>
+            <a:ext cx="10725912" cy="3227832"/>
+            <a:chOff x="733044" y="3154681"/>
+            <a:chExt cx="10725912" cy="3227832"/>
+          </a:xfrm>
+        </p:grpSpPr>
+        <p:sp>
+          <p:nvSpPr>
+            <p:cNvPr id="17" name="矩形 16">
+              <a:extLst>
+                <a:ext uri="{FF2B5EF4-FFF2-40B4-BE49-F238E27FC236}">
+                  <a16:creationId xmlns:a16="http://schemas.microsoft.com/office/drawing/2014/main" id="{0029FBB4-ADA8-4A49-9D53-3E4EA21414B2}"/>
+                </a:ext>
+              </a:extLst>
+            </p:cNvPr>
+            <p:cNvSpPr/>
+            <p:nvPr/>
+          </p:nvSpPr>
+          <p:spPr>
+            <a:xfrm>
+              <a:off x="733044" y="3154681"/>
+              <a:ext cx="10725912" cy="3227832"/>
+            </a:xfrm>
+            <a:prstGeom prst="rect">
+              <a:avLst/>
+            </a:prstGeom>
+            <a:solidFill>
+              <a:schemeClr val="tx1"/>
+            </a:solidFill>
+          </p:spPr>
+          <p:style>
+            <a:lnRef idx="2">
+              <a:schemeClr val="accent1">
+                <a:shade val="50000"/>
+              </a:schemeClr>
+            </a:lnRef>
+            <a:fillRef idx="1">
+              <a:schemeClr val="accent1"/>
+            </a:fillRef>
+            <a:effectRef idx="0">
+              <a:schemeClr val="accent1"/>
+            </a:effectRef>
+            <a:fontRef idx="minor">
+              <a:schemeClr val="lt1"/>
+            </a:fontRef>
+          </p:style>
+          <p:txBody>
+            <a:bodyPr rtlCol="0" anchor="ctr"/>
+            <a:lstStyle/>
+            <a:p>
+              <a:pPr algn="ctr"/>
+              <a:endParaRPr lang="zh-TW" altLang="en-US"/>
+            </a:p>
+          </p:txBody>
+        </p:sp>
+        <p:pic>
+          <p:nvPicPr>
+            <p:cNvPr id="22" name="圖片 21">
+              <a:extLst>
+                <a:ext uri="{FF2B5EF4-FFF2-40B4-BE49-F238E27FC236}">
+                  <a16:creationId xmlns:a16="http://schemas.microsoft.com/office/drawing/2014/main" id="{BA8F73AD-ED10-431E-A4F5-71E0810C0AE3}"/>
+                </a:ext>
+              </a:extLst>
+            </p:cNvPr>
+            <p:cNvPicPr>
+              <a:picLocks noChangeAspect="1"/>
+            </p:cNvPicPr>
+            <p:nvPr/>
+          </p:nvPicPr>
+          <p:blipFill rotWithShape="1">
+            <a:blip r:embed="rId2"/>
+            <a:srcRect t="4693"/>
+            <a:stretch/>
+          </p:blipFill>
+          <p:spPr>
+            <a:xfrm>
+              <a:off x="1208192" y="3507850"/>
+              <a:ext cx="4539312" cy="2535164"/>
+            </a:xfrm>
+            <a:prstGeom prst="rect">
+              <a:avLst/>
+            </a:prstGeom>
+          </p:spPr>
+        </p:pic>
+        <p:pic>
+          <p:nvPicPr>
+            <p:cNvPr id="19" name="圖片 18">
+              <a:extLst>
+                <a:ext uri="{FF2B5EF4-FFF2-40B4-BE49-F238E27FC236}">
+                  <a16:creationId xmlns:a16="http://schemas.microsoft.com/office/drawing/2014/main" id="{C57298A2-ACE8-44D2-83C0-9BBC26DD8CCF}"/>
+                </a:ext>
+              </a:extLst>
+            </p:cNvPr>
+            <p:cNvPicPr>
+              <a:picLocks noChangeAspect="1"/>
+            </p:cNvPicPr>
+            <p:nvPr/>
+          </p:nvPicPr>
+          <p:blipFill rotWithShape="1">
+            <a:blip r:embed="rId3"/>
+            <a:srcRect t="4407"/>
+            <a:stretch/>
+          </p:blipFill>
+          <p:spPr>
+            <a:xfrm>
+              <a:off x="6435513" y="3507850"/>
+              <a:ext cx="4548295" cy="2528329"/>
+            </a:xfrm>
+            <a:prstGeom prst="rect">
+              <a:avLst/>
+            </a:prstGeom>
+          </p:spPr>
+        </p:pic>
+      </p:grpSp>
+      <p:sp>
+        <p:nvSpPr>
+          <p:cNvPr id="23" name="文字方塊 22">
+            <a:extLst>
+              <a:ext uri="{FF2B5EF4-FFF2-40B4-BE49-F238E27FC236}">
+                <a16:creationId xmlns:a16="http://schemas.microsoft.com/office/drawing/2014/main" id="{6EA81752-FF72-494C-855D-CD94A7936C62}"/>
+              </a:ext>
+            </a:extLst>
+          </p:cNvPr>
+          <p:cNvSpPr txBox="1"/>
+          <p:nvPr/>
+        </p:nvSpPr>
+        <p:spPr>
+          <a:xfrm>
+            <a:off x="1263396" y="1655064"/>
+            <a:ext cx="8566404" cy="1323439"/>
+          </a:xfrm>
+          <a:prstGeom prst="rect">
+            <a:avLst/>
+          </a:prstGeom>
+          <a:noFill/>
+        </p:spPr>
+        <p:txBody>
+          <a:bodyPr wrap="square" rtlCol="0">
+            <a:spAutoFit/>
+          </a:bodyPr>
+          <a:lstStyle/>
+          <a:p>
+            <a:pPr marL="285750" indent="-285750">
+              <a:buFontTx/>
+              <a:buChar char="-"/>
+            </a:pPr>
+            <a:r>
+              <a:rPr lang="en-US" altLang="zh-TW" sz="2000" dirty="0">
+                <a:latin typeface="微軟正黑體" panose="020B0604030504040204" pitchFamily="34" charset="-120"/>
+                <a:ea typeface="微軟正黑體" panose="020B0604030504040204" pitchFamily="34" charset="-120"/>
+              </a:rPr>
+              <a:t>WASD	</a:t>
+            </a:r>
+            <a:r>
+              <a:rPr lang="zh-TW" altLang="en-US" sz="2000" dirty="0">
+                <a:latin typeface="微軟正黑體" panose="020B0604030504040204" pitchFamily="34" charset="-120"/>
+                <a:ea typeface="微軟正黑體" panose="020B0604030504040204" pitchFamily="34" charset="-120"/>
+              </a:rPr>
+              <a:t>：移動</a:t>
+            </a:r>
+            <a:endParaRPr lang="en-US" altLang="zh-TW" sz="2000" dirty="0">
+              <a:latin typeface="微軟正黑體" panose="020B0604030504040204" pitchFamily="34" charset="-120"/>
+              <a:ea typeface="微軟正黑體" panose="020B0604030504040204" pitchFamily="34" charset="-120"/>
+            </a:endParaRPr>
+          </a:p>
+          <a:p>
+            <a:pPr marL="285750" indent="-285750">
+              <a:buFontTx/>
+              <a:buChar char="-"/>
+            </a:pPr>
+            <a:r>
+              <a:rPr lang="zh-TW" altLang="en-US" sz="2000" dirty="0">
+                <a:latin typeface="微軟正黑體" panose="020B0604030504040204" pitchFamily="34" charset="-120"/>
+                <a:ea typeface="微軟正黑體" panose="020B0604030504040204" pitchFamily="34" charset="-120"/>
+              </a:rPr>
+              <a:t>滑鼠左鍵</a:t>
+            </a:r>
+            <a:r>
+              <a:rPr lang="en-US" altLang="zh-TW" sz="2000" dirty="0">
+                <a:latin typeface="微軟正黑體" panose="020B0604030504040204" pitchFamily="34" charset="-120"/>
+                <a:ea typeface="微軟正黑體" panose="020B0604030504040204" pitchFamily="34" charset="-120"/>
+              </a:rPr>
+              <a:t>	</a:t>
+            </a:r>
+            <a:r>
+              <a:rPr lang="zh-TW" altLang="en-US" sz="2000" dirty="0">
+                <a:latin typeface="微軟正黑體" panose="020B0604030504040204" pitchFamily="34" charset="-120"/>
+                <a:ea typeface="微軟正黑體" panose="020B0604030504040204" pitchFamily="34" charset="-120"/>
+              </a:rPr>
+              <a:t>：攻擊</a:t>
+            </a:r>
+            <a:endParaRPr lang="en-US" altLang="zh-TW" sz="2000" dirty="0">
+              <a:latin typeface="微軟正黑體" panose="020B0604030504040204" pitchFamily="34" charset="-120"/>
+              <a:ea typeface="微軟正黑體" panose="020B0604030504040204" pitchFamily="34" charset="-120"/>
+            </a:endParaRPr>
+          </a:p>
+          <a:p>
+            <a:pPr marL="285750" indent="-285750">
+              <a:buFontTx/>
+              <a:buChar char="-"/>
+            </a:pPr>
+            <a:r>
+              <a:rPr lang="en-US" altLang="zh-TW" sz="2000" dirty="0">
+                <a:latin typeface="微軟正黑體" panose="020B0604030504040204" pitchFamily="34" charset="-120"/>
+                <a:ea typeface="微軟正黑體" panose="020B0604030504040204" pitchFamily="34" charset="-120"/>
+              </a:rPr>
+              <a:t>Space	</a:t>
+            </a:r>
+            <a:r>
+              <a:rPr lang="zh-TW" altLang="en-US" sz="2000" dirty="0">
+                <a:latin typeface="微軟正黑體" panose="020B0604030504040204" pitchFamily="34" charset="-120"/>
+                <a:ea typeface="微軟正黑體" panose="020B0604030504040204" pitchFamily="34" charset="-120"/>
+              </a:rPr>
+              <a:t>：翻滾</a:t>
+            </a:r>
+            <a:endParaRPr lang="en-US" altLang="zh-TW" sz="2000" dirty="0">
+              <a:latin typeface="微軟正黑體" panose="020B0604030504040204" pitchFamily="34" charset="-120"/>
+              <a:ea typeface="微軟正黑體" panose="020B0604030504040204" pitchFamily="34" charset="-120"/>
+            </a:endParaRPr>
+          </a:p>
+          <a:p>
+            <a:pPr marL="285750" indent="-285750">
+              <a:buFontTx/>
+              <a:buChar char="-"/>
+            </a:pPr>
+            <a:r>
+              <a:rPr lang="en-US" altLang="zh-TW" sz="2000" dirty="0">
+                <a:latin typeface="微軟正黑體" panose="020B0604030504040204" pitchFamily="34" charset="-120"/>
+                <a:ea typeface="微軟正黑體" panose="020B0604030504040204" pitchFamily="34" charset="-120"/>
+              </a:rPr>
+              <a:t>R			</a:t>
+            </a:r>
+            <a:r>
+              <a:rPr lang="zh-TW" altLang="en-US" sz="2000" dirty="0">
+                <a:latin typeface="微軟正黑體" panose="020B0604030504040204" pitchFamily="34" charset="-120"/>
+                <a:ea typeface="微軟正黑體" panose="020B0604030504040204" pitchFamily="34" charset="-120"/>
+              </a:rPr>
+              <a:t>：恢復血量</a:t>
+            </a:r>
+          </a:p>
+        </p:txBody>
+      </p:sp>
+    </p:spTree>
+    <p:extLst>
+      <p:ext uri="{BB962C8B-B14F-4D97-AF65-F5344CB8AC3E}">
+        <p14:creationId xmlns:p14="http://schemas.microsoft.com/office/powerpoint/2010/main" val="1877886255"/>
+      </p:ext>
+    </p:extLst>
+  </p:cSld>
+  <p:clrMapOvr>
+    <a:masterClrMapping/>
+  </p:clrMapOvr>
+</p:sld>
+</file>
+
+<file path=ppt/slides/slide5.xml><?xml version="1.0" encoding="utf-8"?>
+<p:sld xmlns:a="http://schemas.openxmlformats.org/drawingml/2006/main" xmlns:r="http://schemas.openxmlformats.org/officeDocument/2006/relationships" xmlns:p="http://schemas.openxmlformats.org/presentationml/2006/main">
+  <p:cSld>
+    <p:spTree>
+      <p:nvGrpSpPr>
+        <p:cNvPr id="1" name=""/>
+        <p:cNvGrpSpPr/>
+        <p:nvPr/>
+      </p:nvGrpSpPr>
+      <p:grpSpPr>
+        <a:xfrm>
+          <a:off x="0" y="0"/>
+          <a:ext cx="0" cy="0"/>
+          <a:chOff x="0" y="0"/>
+          <a:chExt cx="0" cy="0"/>
+        </a:xfrm>
+      </p:grpSpPr>
+      <p:sp>
+        <p:nvSpPr>
+          <p:cNvPr id="2" name="標題 1">
+            <a:extLst>
+              <a:ext uri="{FF2B5EF4-FFF2-40B4-BE49-F238E27FC236}">
+                <a16:creationId xmlns:a16="http://schemas.microsoft.com/office/drawing/2014/main" id="{38E3E93B-E7B3-4186-966B-0F3847E656A0}"/>
+              </a:ext>
+            </a:extLst>
+          </p:cNvPr>
+          <p:cNvSpPr>
+            <a:spLocks noGrp="1"/>
+          </p:cNvSpPr>
+          <p:nvPr>
+            <p:ph type="title"/>
+          </p:nvPr>
+        </p:nvSpPr>
+        <p:spPr/>
+        <p:txBody>
+          <a:bodyPr/>
+          <a:lstStyle/>
+          <a:p>
+            <a:pPr algn="ctr"/>
+            <a:r>
+              <a:rPr lang="zh-TW" altLang="en-US" b="1" dirty="0">
+                <a:latin typeface="微軟正黑體" panose="020B0604030504040204" pitchFamily="34" charset="-120"/>
+                <a:ea typeface="微軟正黑體" panose="020B0604030504040204" pitchFamily="34" charset="-120"/>
+              </a:rPr>
+              <a:t>遊戲介紹 </a:t>
+            </a:r>
+            <a:r>
+              <a:rPr lang="en-US" altLang="zh-TW" b="1" dirty="0">
+                <a:latin typeface="微軟正黑體" panose="020B0604030504040204" pitchFamily="34" charset="-120"/>
+                <a:ea typeface="微軟正黑體" panose="020B0604030504040204" pitchFamily="34" charset="-120"/>
+              </a:rPr>
+              <a:t>-</a:t>
+            </a:r>
+            <a:r>
+              <a:rPr lang="zh-TW" altLang="en-US" b="1" dirty="0">
+                <a:latin typeface="微軟正黑體" panose="020B0604030504040204" pitchFamily="34" charset="-120"/>
+                <a:ea typeface="微軟正黑體" panose="020B0604030504040204" pitchFamily="34" charset="-120"/>
+              </a:rPr>
+              <a:t> 流程</a:t>
+            </a:r>
+          </a:p>
+        </p:txBody>
+      </p:sp>
+      <p:sp>
+        <p:nvSpPr>
+          <p:cNvPr id="8" name="文字方塊 7">
+            <a:extLst>
+              <a:ext uri="{FF2B5EF4-FFF2-40B4-BE49-F238E27FC236}">
+                <a16:creationId xmlns:a16="http://schemas.microsoft.com/office/drawing/2014/main" id="{C42A84B3-C096-485D-9C25-4E9495374D63}"/>
+              </a:ext>
+            </a:extLst>
+          </p:cNvPr>
+          <p:cNvSpPr txBox="1"/>
+          <p:nvPr/>
+        </p:nvSpPr>
+        <p:spPr>
+          <a:xfrm>
+            <a:off x="1263396" y="1655064"/>
+            <a:ext cx="8566404" cy="1015663"/>
+          </a:xfrm>
+          <a:prstGeom prst="rect">
+            <a:avLst/>
+          </a:prstGeom>
+          <a:noFill/>
+        </p:spPr>
+        <p:txBody>
+          <a:bodyPr wrap="square" rtlCol="0">
+            <a:spAutoFit/>
+          </a:bodyPr>
+          <a:lstStyle/>
+          <a:p>
+            <a:pPr marL="285750" indent="-285750">
+              <a:buFontTx/>
+              <a:buChar char="-"/>
+            </a:pPr>
+            <a:r>
+              <a:rPr lang="zh-TW" altLang="en-US" sz="2000" dirty="0">
+                <a:latin typeface="微軟正黑體" panose="020B0604030504040204" pitchFamily="34" charset="-120"/>
+                <a:ea typeface="微軟正黑體" panose="020B0604030504040204" pitchFamily="34" charset="-120"/>
+              </a:rPr>
+              <a:t>打倒敵人獲取經驗值</a:t>
+            </a:r>
+            <a:endParaRPr lang="en-US" altLang="zh-TW" sz="2000" dirty="0">
+              <a:latin typeface="微軟正黑體" panose="020B0604030504040204" pitchFamily="34" charset="-120"/>
+              <a:ea typeface="微軟正黑體" panose="020B0604030504040204" pitchFamily="34" charset="-120"/>
+            </a:endParaRPr>
+          </a:p>
+          <a:p>
+            <a:pPr marL="285750" indent="-285750">
+              <a:buFontTx/>
+              <a:buChar char="-"/>
+            </a:pPr>
+            <a:r>
+              <a:rPr lang="en-US" altLang="zh-TW" sz="2000" dirty="0">
+                <a:latin typeface="微軟正黑體" panose="020B0604030504040204" pitchFamily="34" charset="-120"/>
+                <a:ea typeface="微軟正黑體" panose="020B0604030504040204" pitchFamily="34" charset="-120"/>
+              </a:rPr>
+              <a:t>E			</a:t>
+            </a:r>
+            <a:r>
+              <a:rPr lang="zh-TW" altLang="en-US" sz="2000" dirty="0">
+                <a:latin typeface="微軟正黑體" panose="020B0604030504040204" pitchFamily="34" charset="-120"/>
+                <a:ea typeface="微軟正黑體" panose="020B0604030504040204" pitchFamily="34" charset="-120"/>
+              </a:rPr>
+              <a:t>：使用篝火</a:t>
+            </a:r>
+            <a:endParaRPr lang="en-GB" altLang="zh-TW" sz="2000" dirty="0">
+              <a:latin typeface="微軟正黑體" panose="020B0604030504040204" pitchFamily="34" charset="-120"/>
+              <a:ea typeface="微軟正黑體" panose="020B0604030504040204" pitchFamily="34" charset="-120"/>
+            </a:endParaRPr>
+          </a:p>
+          <a:p>
+            <a:pPr marL="285750" indent="-285750">
+              <a:buFontTx/>
+              <a:buChar char="-"/>
+            </a:pPr>
+            <a:r>
+              <a:rPr lang="zh-TW" altLang="en-US" sz="2000" dirty="0">
+                <a:latin typeface="微軟正黑體" panose="020B0604030504040204" pitchFamily="34" charset="-120"/>
+                <a:ea typeface="微軟正黑體" panose="020B0604030504040204" pitchFamily="34" charset="-120"/>
+              </a:rPr>
+              <a:t>升級</a:t>
+            </a:r>
+          </a:p>
+        </p:txBody>
+      </p:sp>
+      <p:grpSp>
+        <p:nvGrpSpPr>
+          <p:cNvPr id="7" name="群組 6">
+            <a:extLst>
+              <a:ext uri="{FF2B5EF4-FFF2-40B4-BE49-F238E27FC236}">
+                <a16:creationId xmlns:a16="http://schemas.microsoft.com/office/drawing/2014/main" id="{9DE888F0-901B-49CC-991B-1800D2FACBDE}"/>
+              </a:ext>
+            </a:extLst>
+          </p:cNvPr>
+          <p:cNvGrpSpPr/>
+          <p:nvPr/>
+        </p:nvGrpSpPr>
+        <p:grpSpPr>
+          <a:xfrm>
+            <a:off x="733044" y="3210179"/>
+            <a:ext cx="10725912" cy="3227832"/>
+            <a:chOff x="733044" y="3210179"/>
+            <a:chExt cx="10725912" cy="3227832"/>
+          </a:xfrm>
+        </p:grpSpPr>
+        <p:sp>
+          <p:nvSpPr>
+            <p:cNvPr id="17" name="矩形 16">
+              <a:extLst>
+                <a:ext uri="{FF2B5EF4-FFF2-40B4-BE49-F238E27FC236}">
+                  <a16:creationId xmlns:a16="http://schemas.microsoft.com/office/drawing/2014/main" id="{0029FBB4-ADA8-4A49-9D53-3E4EA21414B2}"/>
+                </a:ext>
+              </a:extLst>
+            </p:cNvPr>
+            <p:cNvSpPr/>
+            <p:nvPr/>
+          </p:nvSpPr>
+          <p:spPr>
+            <a:xfrm>
+              <a:off x="733044" y="3210179"/>
+              <a:ext cx="10725912" cy="3227832"/>
+            </a:xfrm>
+            <a:prstGeom prst="rect">
+              <a:avLst/>
+            </a:prstGeom>
+            <a:solidFill>
+              <a:schemeClr val="tx1"/>
+            </a:solidFill>
+          </p:spPr>
+          <p:style>
+            <a:lnRef idx="2">
+              <a:schemeClr val="accent1">
+                <a:shade val="50000"/>
+              </a:schemeClr>
+            </a:lnRef>
+            <a:fillRef idx="1">
+              <a:schemeClr val="accent1"/>
+            </a:fillRef>
+            <a:effectRef idx="0">
+              <a:schemeClr val="accent1"/>
+            </a:effectRef>
+            <a:fontRef idx="minor">
+              <a:schemeClr val="lt1"/>
+            </a:fontRef>
+          </p:style>
+          <p:txBody>
+            <a:bodyPr rtlCol="0" anchor="ctr"/>
+            <a:lstStyle/>
+            <a:p>
+              <a:pPr algn="ctr"/>
+              <a:endParaRPr lang="zh-TW" altLang="en-US"/>
+            </a:p>
+          </p:txBody>
+        </p:sp>
+        <p:pic>
+          <p:nvPicPr>
+            <p:cNvPr id="20" name="圖片 19">
+              <a:extLst>
+                <a:ext uri="{FF2B5EF4-FFF2-40B4-BE49-F238E27FC236}">
+                  <a16:creationId xmlns:a16="http://schemas.microsoft.com/office/drawing/2014/main" id="{27DEAF38-144A-4073-BD19-02B63306F8D4}"/>
+                </a:ext>
+              </a:extLst>
+            </p:cNvPr>
+            <p:cNvPicPr>
+              <a:picLocks noChangeAspect="1"/>
+            </p:cNvPicPr>
+            <p:nvPr/>
+          </p:nvPicPr>
+          <p:blipFill rotWithShape="1">
+            <a:blip r:embed="rId2"/>
+            <a:srcRect t="4009"/>
+            <a:stretch/>
+          </p:blipFill>
+          <p:spPr>
+            <a:xfrm>
+              <a:off x="1208191" y="3563349"/>
+              <a:ext cx="4539311" cy="2554948"/>
+            </a:xfrm>
+            <a:prstGeom prst="rect">
+              <a:avLst/>
+            </a:prstGeom>
+          </p:spPr>
+        </p:pic>
+        <p:pic>
+          <p:nvPicPr>
+            <p:cNvPr id="21" name="圖片 20">
+              <a:extLst>
+                <a:ext uri="{FF2B5EF4-FFF2-40B4-BE49-F238E27FC236}">
+                  <a16:creationId xmlns:a16="http://schemas.microsoft.com/office/drawing/2014/main" id="{FD997185-92B0-4D37-8080-BEC00CEC791F}"/>
+                </a:ext>
+              </a:extLst>
+            </p:cNvPr>
+            <p:cNvPicPr>
+              <a:picLocks noChangeAspect="1"/>
+            </p:cNvPicPr>
+            <p:nvPr/>
+          </p:nvPicPr>
+          <p:blipFill rotWithShape="1">
+            <a:blip r:embed="rId3"/>
+            <a:srcRect t="3992"/>
+            <a:stretch/>
+          </p:blipFill>
+          <p:spPr>
+            <a:xfrm>
+              <a:off x="6444498" y="3563349"/>
+              <a:ext cx="4520949" cy="2528328"/>
+            </a:xfrm>
+            <a:prstGeom prst="rect">
+              <a:avLst/>
+            </a:prstGeom>
+          </p:spPr>
+        </p:pic>
+      </p:grpSp>
+    </p:spTree>
+    <p:extLst>
+      <p:ext uri="{BB962C8B-B14F-4D97-AF65-F5344CB8AC3E}">
+        <p14:creationId xmlns:p14="http://schemas.microsoft.com/office/powerpoint/2010/main" val="1963621454"/>
+      </p:ext>
+    </p:extLst>
+  </p:cSld>
+  <p:clrMapOvr>
+    <a:masterClrMapping/>
+  </p:clrMapOvr>
+</p:sld>
+</file>
+
+<file path=ppt/slides/slide6.xml><?xml version="1.0" encoding="utf-8"?>
+<p:sld xmlns:a="http://schemas.openxmlformats.org/drawingml/2006/main" xmlns:r="http://schemas.openxmlformats.org/officeDocument/2006/relationships" xmlns:p="http://schemas.openxmlformats.org/presentationml/2006/main">
+  <p:cSld>
+    <p:spTree>
+      <p:nvGrpSpPr>
+        <p:cNvPr id="1" name=""/>
+        <p:cNvGrpSpPr/>
+        <p:nvPr/>
+      </p:nvGrpSpPr>
+      <p:grpSpPr>
+        <a:xfrm>
+          <a:off x="0" y="0"/>
+          <a:ext cx="0" cy="0"/>
+          <a:chOff x="0" y="0"/>
+          <a:chExt cx="0" cy="0"/>
+        </a:xfrm>
+      </p:grpSpPr>
+      <p:sp>
+        <p:nvSpPr>
+          <p:cNvPr id="2" name="標題 1">
+            <a:extLst>
+              <a:ext uri="{FF2B5EF4-FFF2-40B4-BE49-F238E27FC236}">
+                <a16:creationId xmlns:a16="http://schemas.microsoft.com/office/drawing/2014/main" id="{38E3E93B-E7B3-4186-966B-0F3847E656A0}"/>
+              </a:ext>
+            </a:extLst>
+          </p:cNvPr>
+          <p:cNvSpPr>
+            <a:spLocks noGrp="1"/>
+          </p:cNvSpPr>
+          <p:nvPr>
+            <p:ph type="title"/>
+          </p:nvPr>
+        </p:nvSpPr>
+        <p:spPr/>
+        <p:txBody>
+          <a:bodyPr/>
+          <a:lstStyle/>
+          <a:p>
+            <a:pPr algn="ctr"/>
+            <a:r>
+              <a:rPr lang="zh-TW" altLang="en-US" b="1" dirty="0">
+                <a:latin typeface="微軟正黑體" panose="020B0604030504040204" pitchFamily="34" charset="-120"/>
+                <a:ea typeface="微軟正黑體" panose="020B0604030504040204" pitchFamily="34" charset="-120"/>
+              </a:rPr>
+              <a:t>遊戲介紹 </a:t>
+            </a:r>
+            <a:r>
+              <a:rPr lang="en-US" altLang="zh-TW" b="1" dirty="0">
+                <a:latin typeface="微軟正黑體" panose="020B0604030504040204" pitchFamily="34" charset="-120"/>
+                <a:ea typeface="微軟正黑體" panose="020B0604030504040204" pitchFamily="34" charset="-120"/>
+              </a:rPr>
+              <a:t>- Boss</a:t>
+            </a:r>
+            <a:endParaRPr lang="zh-TW" altLang="en-US" b="1" dirty="0">
+              <a:latin typeface="微軟正黑體" panose="020B0604030504040204" pitchFamily="34" charset="-120"/>
+              <a:ea typeface="微軟正黑體" panose="020B0604030504040204" pitchFamily="34" charset="-120"/>
+            </a:endParaRPr>
+          </a:p>
+        </p:txBody>
+      </p:sp>
+      <p:sp>
+        <p:nvSpPr>
+          <p:cNvPr id="17" name="矩形 16">
+            <a:extLst>
+              <a:ext uri="{FF2B5EF4-FFF2-40B4-BE49-F238E27FC236}">
+                <a16:creationId xmlns:a16="http://schemas.microsoft.com/office/drawing/2014/main" id="{0029FBB4-ADA8-4A49-9D53-3E4EA21414B2}"/>
+              </a:ext>
+            </a:extLst>
+          </p:cNvPr>
+          <p:cNvSpPr/>
+          <p:nvPr/>
+        </p:nvSpPr>
+        <p:spPr>
+          <a:xfrm>
+            <a:off x="838200" y="1526959"/>
+            <a:ext cx="10515600" cy="4965916"/>
+          </a:xfrm>
+          <a:prstGeom prst="rect">
+            <a:avLst/>
+          </a:prstGeom>
+          <a:solidFill>
+            <a:schemeClr val="tx1"/>
+          </a:solidFill>
+        </p:spPr>
+        <p:style>
+          <a:lnRef idx="2">
+            <a:schemeClr val="accent1">
+              <a:shade val="50000"/>
+            </a:schemeClr>
+          </a:lnRef>
+          <a:fillRef idx="1">
+            <a:schemeClr val="accent1"/>
+          </a:fillRef>
+          <a:effectRef idx="0">
+            <a:schemeClr val="accent1"/>
+          </a:effectRef>
+          <a:fontRef idx="minor">
+            <a:schemeClr val="lt1"/>
+          </a:fontRef>
+        </p:style>
+        <p:txBody>
+          <a:bodyPr rtlCol="0" anchor="ctr"/>
+          <a:lstStyle/>
+          <a:p>
+            <a:pPr algn="ctr"/>
+            <a:endParaRPr lang="zh-TW" altLang="en-US"/>
+          </a:p>
+        </p:txBody>
+      </p:sp>
+      <p:pic>
+        <p:nvPicPr>
+          <p:cNvPr id="7" name="圖片 6">
+            <a:extLst>
+              <a:ext uri="{FF2B5EF4-FFF2-40B4-BE49-F238E27FC236}">
+                <a16:creationId xmlns:a16="http://schemas.microsoft.com/office/drawing/2014/main" id="{9DD53947-2272-4CAB-8433-494EFBBC9CD3}"/>
+              </a:ext>
+            </a:extLst>
+          </p:cNvPr>
+          <p:cNvPicPr>
+            <a:picLocks noChangeAspect="1"/>
+          </p:cNvPicPr>
+          <p:nvPr/>
+        </p:nvPicPr>
+        <p:blipFill rotWithShape="1">
+          <a:blip r:embed="rId2"/>
+          <a:srcRect t="4354"/>
+          <a:stretch/>
+        </p:blipFill>
+        <p:spPr>
+          <a:xfrm>
+            <a:off x="6682894" y="4108591"/>
+            <a:ext cx="4037212" cy="2259948"/>
+          </a:xfrm>
+          <a:prstGeom prst="rect">
+            <a:avLst/>
+          </a:prstGeom>
+        </p:spPr>
+      </p:pic>
+      <p:pic>
+        <p:nvPicPr>
+          <p:cNvPr id="9" name="圖片 8">
+            <a:extLst>
+              <a:ext uri="{FF2B5EF4-FFF2-40B4-BE49-F238E27FC236}">
+                <a16:creationId xmlns:a16="http://schemas.microsoft.com/office/drawing/2014/main" id="{15BD1483-56C7-412D-B0D0-94E7982E1747}"/>
+              </a:ext>
+            </a:extLst>
+          </p:cNvPr>
+          <p:cNvPicPr>
+            <a:picLocks noChangeAspect="1"/>
+          </p:cNvPicPr>
+          <p:nvPr/>
+        </p:nvPicPr>
+        <p:blipFill rotWithShape="1">
+          <a:blip r:embed="rId3"/>
+          <a:srcRect t="4511"/>
+          <a:stretch/>
+        </p:blipFill>
+        <p:spPr>
+          <a:xfrm>
+            <a:off x="1471894" y="4108591"/>
+            <a:ext cx="4037213" cy="2256217"/>
+          </a:xfrm>
+          <a:prstGeom prst="rect">
+            <a:avLst/>
+          </a:prstGeom>
+        </p:spPr>
+      </p:pic>
+      <p:pic>
+        <p:nvPicPr>
+          <p:cNvPr id="11" name="圖片 10">
+            <a:extLst>
+              <a:ext uri="{FF2B5EF4-FFF2-40B4-BE49-F238E27FC236}">
+                <a16:creationId xmlns:a16="http://schemas.microsoft.com/office/drawing/2014/main" id="{C008140E-F0AB-4BB7-99F7-3DB7BFC3AAA4}"/>
+              </a:ext>
+            </a:extLst>
+          </p:cNvPr>
+          <p:cNvPicPr>
+            <a:picLocks noChangeAspect="1"/>
+          </p:cNvPicPr>
+          <p:nvPr/>
+        </p:nvPicPr>
+        <p:blipFill rotWithShape="1">
+          <a:blip r:embed="rId4"/>
+          <a:srcRect t="4265"/>
+          <a:stretch/>
+        </p:blipFill>
+        <p:spPr>
+          <a:xfrm>
+            <a:off x="1471895" y="1724519"/>
+            <a:ext cx="4037213" cy="2256005"/>
+          </a:xfrm>
+          <a:prstGeom prst="rect">
+            <a:avLst/>
+          </a:prstGeom>
+        </p:spPr>
+      </p:pic>
+      <p:pic>
+        <p:nvPicPr>
+          <p:cNvPr id="12" name="圖片 11">
+            <a:extLst>
+              <a:ext uri="{FF2B5EF4-FFF2-40B4-BE49-F238E27FC236}">
+                <a16:creationId xmlns:a16="http://schemas.microsoft.com/office/drawing/2014/main" id="{695CCAA3-D8C9-4150-BEBA-A86678CE00FF}"/>
+              </a:ext>
+            </a:extLst>
+          </p:cNvPr>
+          <p:cNvPicPr>
+            <a:picLocks noChangeAspect="1"/>
+          </p:cNvPicPr>
+          <p:nvPr/>
+        </p:nvPicPr>
+        <p:blipFill rotWithShape="1">
+          <a:blip r:embed="rId5"/>
+          <a:srcRect t="4405"/>
+          <a:stretch/>
+        </p:blipFill>
+        <p:spPr>
+          <a:xfrm>
+            <a:off x="6682894" y="1708997"/>
+            <a:ext cx="4037213" cy="2261977"/>
+          </a:xfrm>
+          <a:prstGeom prst="rect">
+            <a:avLst/>
+          </a:prstGeom>
+        </p:spPr>
+      </p:pic>
+    </p:spTree>
+    <p:extLst>
+      <p:ext uri="{BB962C8B-B14F-4D97-AF65-F5344CB8AC3E}">
+        <p14:creationId xmlns:p14="http://schemas.microsoft.com/office/powerpoint/2010/main" val="1725704660"/>
+      </p:ext>
+    </p:extLst>
+  </p:cSld>
+  <p:clrMapOvr>
+    <a:masterClrMapping/>
+  </p:clrMapOvr>
+</p:sld>
+</file>
+
+<file path=ppt/slides/slide7.xml><?xml version="1.0" encoding="utf-8"?>
+<p:sld xmlns:a="http://schemas.openxmlformats.org/drawingml/2006/main" xmlns:r="http://schemas.openxmlformats.org/officeDocument/2006/relationships" xmlns:p="http://schemas.openxmlformats.org/presentationml/2006/main">
+  <p:cSld>
+    <p:spTree>
+      <p:nvGrpSpPr>
+        <p:cNvPr id="1" name=""/>
+        <p:cNvGrpSpPr/>
+        <p:nvPr/>
+      </p:nvGrpSpPr>
+      <p:grpSpPr>
+        <a:xfrm>
+          <a:off x="0" y="0"/>
+          <a:ext cx="0" cy="0"/>
+          <a:chOff x="0" y="0"/>
+          <a:chExt cx="0" cy="0"/>
+        </a:xfrm>
+      </p:grpSpPr>
+      <p:sp>
+        <p:nvSpPr>
+          <p:cNvPr id="2" name="標題 1">
+            <a:extLst>
+              <a:ext uri="{FF2B5EF4-FFF2-40B4-BE49-F238E27FC236}">
+                <a16:creationId xmlns:a16="http://schemas.microsoft.com/office/drawing/2014/main" id="{38E3E93B-E7B3-4186-966B-0F3847E656A0}"/>
+              </a:ext>
+            </a:extLst>
+          </p:cNvPr>
+          <p:cNvSpPr>
+            <a:spLocks noGrp="1"/>
+          </p:cNvSpPr>
+          <p:nvPr>
+            <p:ph type="title"/>
+          </p:nvPr>
+        </p:nvSpPr>
+        <p:spPr/>
+        <p:txBody>
+          <a:bodyPr/>
+          <a:lstStyle/>
+          <a:p>
+            <a:pPr algn="ctr"/>
+            <a:r>
+              <a:rPr lang="zh-TW" altLang="en-US" b="1" dirty="0">
+                <a:latin typeface="微軟正黑體" panose="020B0604030504040204" pitchFamily="34" charset="-120"/>
+                <a:ea typeface="微軟正黑體" panose="020B0604030504040204" pitchFamily="34" charset="-120"/>
+              </a:rPr>
+              <a:t>遊戲介紹</a:t>
+            </a:r>
+            <a:r>
+              <a:rPr lang="en-US" altLang="zh-TW" b="1" dirty="0">
+                <a:latin typeface="微軟正黑體" panose="020B0604030504040204" pitchFamily="34" charset="-120"/>
+                <a:ea typeface="微軟正黑體" panose="020B0604030504040204" pitchFamily="34" charset="-120"/>
+              </a:rPr>
+              <a:t> - </a:t>
+            </a:r>
+            <a:r>
+              <a:rPr lang="zh-TW" altLang="en-US" b="1" dirty="0">
+                <a:latin typeface="微軟正黑體" panose="020B0604030504040204" pitchFamily="34" charset="-120"/>
+                <a:ea typeface="微軟正黑體" panose="020B0604030504040204" pitchFamily="34" charset="-120"/>
+              </a:rPr>
+              <a:t>死亡</a:t>
+            </a:r>
+          </a:p>
+        </p:txBody>
+      </p:sp>
+      <p:grpSp>
+        <p:nvGrpSpPr>
+          <p:cNvPr id="4" name="群組 3">
+            <a:extLst>
+              <a:ext uri="{FF2B5EF4-FFF2-40B4-BE49-F238E27FC236}">
+                <a16:creationId xmlns:a16="http://schemas.microsoft.com/office/drawing/2014/main" id="{6286E107-B250-4823-AFEA-6194BD6BDADD}"/>
+              </a:ext>
+            </a:extLst>
+          </p:cNvPr>
+          <p:cNvGrpSpPr/>
+          <p:nvPr/>
+        </p:nvGrpSpPr>
+        <p:grpSpPr>
+          <a:xfrm>
+            <a:off x="2492502" y="2314066"/>
+            <a:ext cx="7206996" cy="4178809"/>
+            <a:chOff x="2492502" y="2314066"/>
+            <a:chExt cx="7206996" cy="4178809"/>
+          </a:xfrm>
+        </p:grpSpPr>
+        <p:sp>
+          <p:nvSpPr>
+            <p:cNvPr id="17" name="矩形 16">
+              <a:extLst>
+                <a:ext uri="{FF2B5EF4-FFF2-40B4-BE49-F238E27FC236}">
+                  <a16:creationId xmlns:a16="http://schemas.microsoft.com/office/drawing/2014/main" id="{0029FBB4-ADA8-4A49-9D53-3E4EA21414B2}"/>
+                </a:ext>
+              </a:extLst>
+            </p:cNvPr>
+            <p:cNvSpPr/>
+            <p:nvPr/>
+          </p:nvSpPr>
+          <p:spPr>
+            <a:xfrm>
+              <a:off x="2492502" y="2314066"/>
+              <a:ext cx="7206996" cy="4178809"/>
+            </a:xfrm>
+            <a:prstGeom prst="rect">
+              <a:avLst/>
+            </a:prstGeom>
+            <a:solidFill>
+              <a:schemeClr val="tx1"/>
+            </a:solidFill>
+          </p:spPr>
+          <p:style>
+            <a:lnRef idx="2">
+              <a:schemeClr val="accent1">
+                <a:shade val="50000"/>
+              </a:schemeClr>
+            </a:lnRef>
+            <a:fillRef idx="1">
+              <a:schemeClr val="accent1"/>
+            </a:fillRef>
+            <a:effectRef idx="0">
+              <a:schemeClr val="accent1"/>
+            </a:effectRef>
+            <a:fontRef idx="minor">
+              <a:schemeClr val="lt1"/>
+            </a:fontRef>
+          </p:style>
+          <p:txBody>
+            <a:bodyPr rtlCol="0" anchor="ctr"/>
+            <a:lstStyle/>
+            <a:p>
+              <a:pPr algn="ctr"/>
+              <a:endParaRPr lang="zh-TW" altLang="en-US"/>
+            </a:p>
+          </p:txBody>
+        </p:sp>
+        <p:pic>
+          <p:nvPicPr>
+            <p:cNvPr id="7" name="圖片 6">
+              <a:extLst>
+                <a:ext uri="{FF2B5EF4-FFF2-40B4-BE49-F238E27FC236}">
+                  <a16:creationId xmlns:a16="http://schemas.microsoft.com/office/drawing/2014/main" id="{7D392739-0FB7-4584-8287-3D89E288BADB}"/>
+                </a:ext>
+              </a:extLst>
+            </p:cNvPr>
+            <p:cNvPicPr>
+              <a:picLocks noChangeAspect="1"/>
+            </p:cNvPicPr>
+            <p:nvPr/>
+          </p:nvPicPr>
+          <p:blipFill rotWithShape="1">
+            <a:blip r:embed="rId2"/>
+            <a:srcRect t="4324"/>
+            <a:stretch/>
+          </p:blipFill>
+          <p:spPr>
+            <a:xfrm>
+              <a:off x="2988461" y="2678552"/>
+              <a:ext cx="6205326" cy="3472216"/>
+            </a:xfrm>
+            <a:prstGeom prst="rect">
+              <a:avLst/>
+            </a:prstGeom>
+          </p:spPr>
+        </p:pic>
+      </p:grpSp>
+      <p:sp>
+        <p:nvSpPr>
+          <p:cNvPr id="10" name="文字方塊 9">
+            <a:extLst>
+              <a:ext uri="{FF2B5EF4-FFF2-40B4-BE49-F238E27FC236}">
+                <a16:creationId xmlns:a16="http://schemas.microsoft.com/office/drawing/2014/main" id="{F9F736B7-2577-43BA-9A92-8779B3D5CDE7}"/>
+              </a:ext>
+            </a:extLst>
+          </p:cNvPr>
+          <p:cNvSpPr txBox="1"/>
+          <p:nvPr/>
+        </p:nvSpPr>
+        <p:spPr>
+          <a:xfrm>
+            <a:off x="1263396" y="1655064"/>
+            <a:ext cx="8566404" cy="400110"/>
+          </a:xfrm>
+          <a:prstGeom prst="rect">
+            <a:avLst/>
+          </a:prstGeom>
+          <a:noFill/>
+        </p:spPr>
+        <p:txBody>
+          <a:bodyPr wrap="square" rtlCol="0">
+            <a:spAutoFit/>
+          </a:bodyPr>
+          <a:lstStyle/>
+          <a:p>
+            <a:pPr marL="285750" indent="-285750">
+              <a:buFontTx/>
+              <a:buChar char="-"/>
+            </a:pPr>
+            <a:r>
+              <a:rPr lang="zh-TW" altLang="en-US" sz="2000" dirty="0">
+                <a:latin typeface="微軟正黑體" panose="020B0604030504040204" pitchFamily="34" charset="-120"/>
+                <a:ea typeface="微軟正黑體" panose="020B0604030504040204" pitchFamily="34" charset="-120"/>
+              </a:rPr>
+              <a:t>玩家死亡</a:t>
+            </a:r>
+          </a:p>
+        </p:txBody>
+      </p:sp>
+    </p:spTree>
+    <p:extLst>
+      <p:ext uri="{BB962C8B-B14F-4D97-AF65-F5344CB8AC3E}">
+        <p14:creationId xmlns:p14="http://schemas.microsoft.com/office/powerpoint/2010/main" val="1474283774"/>
+      </p:ext>
+    </p:extLst>
+  </p:cSld>
+  <p:clrMapOvr>
+    <a:masterClrMapping/>
+  </p:clrMapOvr>
+</p:sld>
+</file>
+
+<file path=ppt/slides/slide8.xml><?xml version="1.0" encoding="utf-8"?>
+<p:sld xmlns:a="http://schemas.openxmlformats.org/drawingml/2006/main" xmlns:r="http://schemas.openxmlformats.org/officeDocument/2006/relationships" xmlns:p="http://schemas.openxmlformats.org/presentationml/2006/main">
+  <p:cSld>
+    <p:spTree>
+      <p:nvGrpSpPr>
+        <p:cNvPr id="1" name=""/>
+        <p:cNvGrpSpPr/>
+        <p:nvPr/>
+      </p:nvGrpSpPr>
+      <p:grpSpPr>
+        <a:xfrm>
+          <a:off x="0" y="0"/>
+          <a:ext cx="0" cy="0"/>
+          <a:chOff x="0" y="0"/>
+          <a:chExt cx="0" cy="0"/>
+        </a:xfrm>
+      </p:grpSpPr>
+      <p:sp>
+        <p:nvSpPr>
+          <p:cNvPr id="2" name="標題 1">
+            <a:extLst>
+              <a:ext uri="{FF2B5EF4-FFF2-40B4-BE49-F238E27FC236}">
+                <a16:creationId xmlns:a16="http://schemas.microsoft.com/office/drawing/2014/main" id="{38E3E93B-E7B3-4186-966B-0F3847E656A0}"/>
+              </a:ext>
+            </a:extLst>
+          </p:cNvPr>
+          <p:cNvSpPr>
+            <a:spLocks noGrp="1"/>
+          </p:cNvSpPr>
+          <p:nvPr>
+            <p:ph type="title"/>
+          </p:nvPr>
+        </p:nvSpPr>
+        <p:spPr/>
+        <p:txBody>
+          <a:bodyPr/>
+          <a:lstStyle/>
+          <a:p>
+            <a:pPr algn="ctr"/>
+            <a:r>
+              <a:rPr lang="zh-TW" altLang="en-US" b="1" dirty="0">
+                <a:latin typeface="微軟正黑體" panose="020B0604030504040204" pitchFamily="34" charset="-120"/>
+                <a:ea typeface="微軟正黑體" panose="020B0604030504040204" pitchFamily="34" charset="-120"/>
+              </a:rPr>
+              <a:t>程式介紹</a:t>
+            </a:r>
+          </a:p>
+        </p:txBody>
+      </p:sp>
+      <p:sp>
+        <p:nvSpPr>
+          <p:cNvPr id="11" name="文字方塊 10">
+            <a:extLst>
+              <a:ext uri="{FF2B5EF4-FFF2-40B4-BE49-F238E27FC236}">
+                <a16:creationId xmlns:a16="http://schemas.microsoft.com/office/drawing/2014/main" id="{41A4F8AB-C34D-4BB9-A119-A5DA7444C673}"/>
+              </a:ext>
+            </a:extLst>
+          </p:cNvPr>
+          <p:cNvSpPr txBox="1"/>
+          <p:nvPr/>
+        </p:nvSpPr>
+        <p:spPr>
+          <a:xfrm>
+            <a:off x="1162974" y="1660123"/>
+            <a:ext cx="10085033" cy="4401205"/>
+          </a:xfrm>
+          <a:prstGeom prst="rect">
+            <a:avLst/>
+          </a:prstGeom>
+          <a:noFill/>
+        </p:spPr>
+        <p:txBody>
+          <a:bodyPr wrap="square" rtlCol="0">
+            <a:spAutoFit/>
+          </a:bodyPr>
+          <a:lstStyle/>
+          <a:p>
+            <a:pPr marL="342900" indent="-342900">
+              <a:buFontTx/>
+              <a:buChar char="-"/>
+            </a:pPr>
+            <a:r>
+              <a:rPr lang="en-GB" altLang="zh-TW" sz="2000" b="1" dirty="0" err="1">
+                <a:effectLst/>
+                <a:latin typeface="微軟正黑體" panose="020B0604030504040204" pitchFamily="34" charset="-120"/>
+                <a:ea typeface="微軟正黑體" panose="020B0604030504040204" pitchFamily="34" charset="-120"/>
+              </a:rPr>
+              <a:t>SpaceInvader</a:t>
+            </a:r>
+            <a:r>
+              <a:rPr lang="zh-TW" altLang="en-US" sz="2000" b="1" dirty="0">
+                <a:effectLst/>
+                <a:latin typeface="微軟正黑體" panose="020B0604030504040204" pitchFamily="34" charset="-120"/>
+                <a:ea typeface="微軟正黑體" panose="020B0604030504040204" pitchFamily="34" charset="-120"/>
+              </a:rPr>
+              <a:t>：遊戲主程式</a:t>
+            </a:r>
+            <a:endParaRPr lang="en-US" altLang="zh-TW" sz="2000" b="1" dirty="0">
+              <a:effectLst/>
+              <a:latin typeface="微軟正黑體" panose="020B0604030504040204" pitchFamily="34" charset="-120"/>
+              <a:ea typeface="微軟正黑體" panose="020B0604030504040204" pitchFamily="34" charset="-120"/>
+            </a:endParaRPr>
+          </a:p>
+          <a:p>
+            <a:pPr marL="342900" indent="-342900">
+              <a:buFontTx/>
+              <a:buChar char="-"/>
+            </a:pPr>
+            <a:endParaRPr lang="en-US" altLang="zh-TW" sz="2000" b="1" dirty="0">
+              <a:latin typeface="微軟正黑體" panose="020B0604030504040204" pitchFamily="34" charset="-120"/>
+              <a:ea typeface="微軟正黑體" panose="020B0604030504040204" pitchFamily="34" charset="-120"/>
+            </a:endParaRPr>
+          </a:p>
+          <a:p>
+            <a:pPr marL="342900" indent="-342900">
+              <a:buFontTx/>
+              <a:buChar char="-"/>
+            </a:pPr>
+            <a:r>
+              <a:rPr lang="en-GB" altLang="zh-TW" sz="2000" b="1" dirty="0" err="1">
+                <a:effectLst/>
+                <a:latin typeface="微軟正黑體" panose="020B0604030504040204" pitchFamily="34" charset="-120"/>
+                <a:ea typeface="微軟正黑體" panose="020B0604030504040204" pitchFamily="34" charset="-120"/>
+              </a:rPr>
+              <a:t>SpaceInvaderPanel</a:t>
+            </a:r>
+            <a:r>
+              <a:rPr lang="zh-TW" altLang="en-US" sz="2000" b="1" dirty="0">
+                <a:effectLst/>
+                <a:latin typeface="微軟正黑體" panose="020B0604030504040204" pitchFamily="34" charset="-120"/>
+                <a:ea typeface="微軟正黑體" panose="020B0604030504040204" pitchFamily="34" charset="-120"/>
+              </a:rPr>
+              <a:t>：</a:t>
+            </a:r>
+            <a:r>
+              <a:rPr lang="zh-TW" altLang="en-US" sz="2000" b="1" dirty="0">
+                <a:latin typeface="微軟正黑體" panose="020B0604030504040204" pitchFamily="34" charset="-120"/>
+                <a:ea typeface="微軟正黑體" panose="020B0604030504040204" pitchFamily="34" charset="-120"/>
+              </a:rPr>
+              <a:t>偵測玩家輸入、</a:t>
+            </a:r>
+            <a:r>
+              <a:rPr lang="zh-TW" altLang="en-US" sz="2000" b="1" dirty="0">
+                <a:effectLst/>
+                <a:latin typeface="微軟正黑體" panose="020B0604030504040204" pitchFamily="34" charset="-120"/>
+                <a:ea typeface="微軟正黑體" panose="020B0604030504040204" pitchFamily="34" charset="-120"/>
+              </a:rPr>
+              <a:t>管理遊戲進行的各項邏輯</a:t>
+            </a:r>
+            <a:endParaRPr lang="en-US" altLang="zh-TW" sz="2000" b="1" dirty="0">
+              <a:effectLst/>
+              <a:latin typeface="微軟正黑體" panose="020B0604030504040204" pitchFamily="34" charset="-120"/>
+              <a:ea typeface="微軟正黑體" panose="020B0604030504040204" pitchFamily="34" charset="-120"/>
+            </a:endParaRPr>
+          </a:p>
+          <a:p>
+            <a:pPr marL="342900" indent="-342900">
+              <a:buFontTx/>
+              <a:buChar char="-"/>
+            </a:pPr>
+            <a:endParaRPr lang="en-US" altLang="zh-TW" sz="2000" b="1" dirty="0">
+              <a:latin typeface="微軟正黑體" panose="020B0604030504040204" pitchFamily="34" charset="-120"/>
+              <a:ea typeface="微軟正黑體" panose="020B0604030504040204" pitchFamily="34" charset="-120"/>
+            </a:endParaRPr>
+          </a:p>
+          <a:p>
+            <a:pPr marL="342900" indent="-342900">
+              <a:buFontTx/>
+              <a:buChar char="-"/>
+            </a:pPr>
+            <a:r>
+              <a:rPr lang="en-US" altLang="zh-TW" sz="2000" b="1" dirty="0" err="1">
+                <a:latin typeface="微軟正黑體" panose="020B0604030504040204" pitchFamily="34" charset="-120"/>
+                <a:ea typeface="微軟正黑體" panose="020B0604030504040204" pitchFamily="34" charset="-120"/>
+              </a:rPr>
+              <a:t>StartPanel</a:t>
+            </a:r>
+            <a:r>
+              <a:rPr lang="zh-TW" altLang="en-US" sz="2000" b="1" dirty="0">
+                <a:latin typeface="微軟正黑體" panose="020B0604030504040204" pitchFamily="34" charset="-120"/>
+                <a:ea typeface="微軟正黑體" panose="020B0604030504040204" pitchFamily="34" charset="-120"/>
+              </a:rPr>
+              <a:t>：顯示遊戲的開始畫面</a:t>
+            </a:r>
+            <a:endParaRPr lang="en-US" altLang="zh-TW" sz="2000" b="1" dirty="0">
+              <a:latin typeface="微軟正黑體" panose="020B0604030504040204" pitchFamily="34" charset="-120"/>
+              <a:ea typeface="微軟正黑體" panose="020B0604030504040204" pitchFamily="34" charset="-120"/>
+            </a:endParaRPr>
+          </a:p>
+          <a:p>
+            <a:pPr marL="342900" indent="-342900">
+              <a:buFontTx/>
+              <a:buChar char="-"/>
+            </a:pPr>
+            <a:endParaRPr lang="en-US" altLang="zh-TW" sz="2000" b="1" dirty="0">
+              <a:latin typeface="微軟正黑體" panose="020B0604030504040204" pitchFamily="34" charset="-120"/>
+              <a:ea typeface="微軟正黑體" panose="020B0604030504040204" pitchFamily="34" charset="-120"/>
+            </a:endParaRPr>
+          </a:p>
+          <a:p>
+            <a:pPr marL="342900" indent="-342900">
+              <a:buFontTx/>
+              <a:buChar char="-"/>
+            </a:pPr>
+            <a:r>
+              <a:rPr lang="en-US" altLang="zh-TW" sz="2000" b="1" dirty="0" err="1">
+                <a:latin typeface="微軟正黑體" panose="020B0604030504040204" pitchFamily="34" charset="-120"/>
+                <a:ea typeface="微軟正黑體" panose="020B0604030504040204" pitchFamily="34" charset="-120"/>
+              </a:rPr>
+              <a:t>SettingPanel</a:t>
+            </a:r>
+            <a:r>
+              <a:rPr lang="zh-TW" altLang="en-US" sz="2000" b="1" dirty="0">
+                <a:latin typeface="微軟正黑體" panose="020B0604030504040204" pitchFamily="34" charset="-120"/>
+                <a:ea typeface="微軟正黑體" panose="020B0604030504040204" pitchFamily="34" charset="-120"/>
+              </a:rPr>
+              <a:t>：顯示遊戲的設定畫面</a:t>
+            </a:r>
+            <a:endParaRPr lang="en-US" altLang="zh-TW" sz="2000" b="1" dirty="0">
+              <a:latin typeface="微軟正黑體" panose="020B0604030504040204" pitchFamily="34" charset="-120"/>
+              <a:ea typeface="微軟正黑體" panose="020B0604030504040204" pitchFamily="34" charset="-120"/>
+            </a:endParaRPr>
+          </a:p>
+          <a:p>
+            <a:pPr marL="342900" indent="-342900">
+              <a:buFontTx/>
+              <a:buChar char="-"/>
+            </a:pPr>
+            <a:endParaRPr lang="en-US" altLang="zh-TW" sz="2000" b="1" dirty="0">
+              <a:latin typeface="微軟正黑體" panose="020B0604030504040204" pitchFamily="34" charset="-120"/>
+              <a:ea typeface="微軟正黑體" panose="020B0604030504040204" pitchFamily="34" charset="-120"/>
+            </a:endParaRPr>
+          </a:p>
+          <a:p>
+            <a:pPr marL="342900" indent="-342900">
+              <a:buFontTx/>
+              <a:buChar char="-"/>
+            </a:pPr>
+            <a:r>
+              <a:rPr lang="en-US" altLang="zh-TW" sz="2000" b="1" dirty="0" err="1">
+                <a:latin typeface="微軟正黑體" panose="020B0604030504040204" pitchFamily="34" charset="-120"/>
+                <a:ea typeface="微軟正黑體" panose="020B0604030504040204" pitchFamily="34" charset="-120"/>
+              </a:rPr>
+              <a:t>LevelUpPanel</a:t>
+            </a:r>
+            <a:r>
+              <a:rPr lang="zh-TW" altLang="en-US" sz="2000" b="1" dirty="0">
+                <a:latin typeface="微軟正黑體" panose="020B0604030504040204" pitchFamily="34" charset="-120"/>
+                <a:ea typeface="微軟正黑體" panose="020B0604030504040204" pitchFamily="34" charset="-120"/>
+              </a:rPr>
+              <a:t>：顯示遊戲的升級畫面</a:t>
+            </a:r>
+            <a:endParaRPr lang="en-US" altLang="zh-TW" sz="2000" b="1" dirty="0">
+              <a:latin typeface="微軟正黑體" panose="020B0604030504040204" pitchFamily="34" charset="-120"/>
+              <a:ea typeface="微軟正黑體" panose="020B0604030504040204" pitchFamily="34" charset="-120"/>
+            </a:endParaRPr>
+          </a:p>
+          <a:p>
+            <a:pPr marL="342900" indent="-342900">
+              <a:buFontTx/>
+              <a:buChar char="-"/>
+            </a:pPr>
+            <a:endParaRPr lang="en-US" altLang="zh-TW" sz="2000" b="1" dirty="0">
+              <a:latin typeface="微軟正黑體" panose="020B0604030504040204" pitchFamily="34" charset="-120"/>
+              <a:ea typeface="微軟正黑體" panose="020B0604030504040204" pitchFamily="34" charset="-120"/>
+            </a:endParaRPr>
+          </a:p>
+          <a:p>
+            <a:pPr marL="342900" indent="-342900">
+              <a:buFontTx/>
+              <a:buChar char="-"/>
+            </a:pPr>
+            <a:r>
+              <a:rPr lang="en-US" altLang="zh-TW" sz="2000" b="1" dirty="0" err="1">
+                <a:latin typeface="微軟正黑體" panose="020B0604030504040204" pitchFamily="34" charset="-120"/>
+                <a:ea typeface="微軟正黑體" panose="020B0604030504040204" pitchFamily="34" charset="-120"/>
+              </a:rPr>
+              <a:t>GameOverPanel</a:t>
+            </a:r>
+            <a:r>
+              <a:rPr lang="zh-TW" altLang="en-US" sz="2000" b="1" dirty="0">
+                <a:latin typeface="微軟正黑體" panose="020B0604030504040204" pitchFamily="34" charset="-120"/>
+                <a:ea typeface="微軟正黑體" panose="020B0604030504040204" pitchFamily="34" charset="-120"/>
+              </a:rPr>
+              <a:t>：顯示遊戲失敗的畫面</a:t>
+            </a:r>
+            <a:endParaRPr lang="en-US" altLang="zh-TW" sz="2000" b="1" dirty="0">
+              <a:latin typeface="微軟正黑體" panose="020B0604030504040204" pitchFamily="34" charset="-120"/>
+              <a:ea typeface="微軟正黑體" panose="020B0604030504040204" pitchFamily="34" charset="-120"/>
+            </a:endParaRPr>
+          </a:p>
+          <a:p>
+            <a:pPr marL="342900" indent="-342900">
+              <a:buFontTx/>
+              <a:buChar char="-"/>
+            </a:pPr>
+            <a:endParaRPr lang="en-GB" altLang="zh-TW" sz="2000" b="1" dirty="0">
+              <a:latin typeface="微軟正黑體" panose="020B0604030504040204" pitchFamily="34" charset="-120"/>
+              <a:ea typeface="微軟正黑體" panose="020B0604030504040204" pitchFamily="34" charset="-120"/>
+            </a:endParaRPr>
+          </a:p>
+          <a:p>
+            <a:pPr marL="342900" indent="-342900">
+              <a:buFontTx/>
+              <a:buChar char="-"/>
+            </a:pPr>
+            <a:r>
+              <a:rPr lang="en-GB" altLang="zh-TW" sz="2000" b="1" dirty="0" err="1">
+                <a:effectLst/>
+                <a:latin typeface="微軟正黑體" panose="020B0604030504040204" pitchFamily="34" charset="-120"/>
+                <a:ea typeface="微軟正黑體" panose="020B0604030504040204" pitchFamily="34" charset="-120"/>
+              </a:rPr>
+              <a:t>MusicPlayer</a:t>
+            </a:r>
+            <a:r>
+              <a:rPr lang="zh-TW" altLang="en-US" sz="2000" b="1" dirty="0">
+                <a:latin typeface="微軟正黑體" panose="020B0604030504040204" pitchFamily="34" charset="-120"/>
+                <a:ea typeface="微軟正黑體" panose="020B0604030504040204" pitchFamily="34" charset="-120"/>
+              </a:rPr>
+              <a:t>：管理背景音樂、音效的播放</a:t>
+            </a:r>
+            <a:endParaRPr lang="en-US" altLang="zh-TW" sz="2000" b="1" dirty="0">
+              <a:latin typeface="微軟正黑體" panose="020B0604030504040204" pitchFamily="34" charset="-120"/>
+              <a:ea typeface="微軟正黑體" panose="020B0604030504040204" pitchFamily="34" charset="-120"/>
+            </a:endParaRPr>
+          </a:p>
+          <a:p>
+            <a:pPr marL="342900" indent="-342900">
+              <a:buFontTx/>
+              <a:buChar char="-"/>
+            </a:pPr>
+            <a:endParaRPr lang="en-GB" altLang="zh-TW" sz="2000" b="1" dirty="0">
+              <a:latin typeface="微軟正黑體" panose="020B0604030504040204" pitchFamily="34" charset="-120"/>
+              <a:ea typeface="微軟正黑體" panose="020B0604030504040204" pitchFamily="34" charset="-120"/>
+            </a:endParaRPr>
+          </a:p>
+        </p:txBody>
+      </p:sp>
+    </p:spTree>
+    <p:extLst>
+      <p:ext uri="{BB962C8B-B14F-4D97-AF65-F5344CB8AC3E}">
+        <p14:creationId xmlns:p14="http://schemas.microsoft.com/office/powerpoint/2010/main" val="1600884244"/>
+      </p:ext>
+    </p:extLst>
+  </p:cSld>
+  <p:clrMapOvr>
+    <a:masterClrMapping/>
+  </p:clrMapOvr>
+</p:sld>
+</file>
+
+<file path=ppt/slides/slide9.xml><?xml version="1.0" encoding="utf-8"?>
+<p:sld xmlns:a="http://schemas.openxmlformats.org/drawingml/2006/main" xmlns:r="http://schemas.openxmlformats.org/officeDocument/2006/relationships" xmlns:p="http://schemas.openxmlformats.org/presentationml/2006/main">
+  <p:cSld>
+    <p:spTree>
+      <p:nvGrpSpPr>
+        <p:cNvPr id="1" name=""/>
+        <p:cNvGrpSpPr/>
+        <p:nvPr/>
+      </p:nvGrpSpPr>
+      <p:grpSpPr>
+        <a:xfrm>
+          <a:off x="0" y="0"/>
+          <a:ext cx="0" cy="0"/>
+          <a:chOff x="0" y="0"/>
+          <a:chExt cx="0" cy="0"/>
+        </a:xfrm>
+      </p:grpSpPr>
+      <p:sp>
+        <p:nvSpPr>
+          <p:cNvPr id="2" name="標題 1">
+            <a:extLst>
+              <a:ext uri="{FF2B5EF4-FFF2-40B4-BE49-F238E27FC236}">
+                <a16:creationId xmlns:a16="http://schemas.microsoft.com/office/drawing/2014/main" id="{38E3E93B-E7B3-4186-966B-0F3847E656A0}"/>
+              </a:ext>
+            </a:extLst>
+          </p:cNvPr>
+          <p:cNvSpPr>
+            <a:spLocks noGrp="1"/>
+          </p:cNvSpPr>
+          <p:nvPr>
+            <p:ph type="title"/>
+          </p:nvPr>
+        </p:nvSpPr>
+        <p:spPr/>
+        <p:txBody>
+          <a:bodyPr/>
+          <a:lstStyle/>
+          <a:p>
+            <a:pPr algn="ctr"/>
+            <a:r>
+              <a:rPr lang="zh-TW" altLang="en-US" b="1" dirty="0">
+                <a:latin typeface="微軟正黑體" panose="020B0604030504040204" pitchFamily="34" charset="-120"/>
+                <a:ea typeface="微軟正黑體" panose="020B0604030504040204" pitchFamily="34" charset="-120"/>
+              </a:rPr>
+              <a:t>程式介紹</a:t>
+            </a:r>
+          </a:p>
+        </p:txBody>
+      </p:sp>
+      <p:sp>
+        <p:nvSpPr>
+          <p:cNvPr id="11" name="文字方塊 10">
+            <a:extLst>
+              <a:ext uri="{FF2B5EF4-FFF2-40B4-BE49-F238E27FC236}">
+                <a16:creationId xmlns:a16="http://schemas.microsoft.com/office/drawing/2014/main" id="{41A4F8AB-C34D-4BB9-A119-A5DA7444C673}"/>
+              </a:ext>
+            </a:extLst>
+          </p:cNvPr>
+          <p:cNvSpPr txBox="1"/>
+          <p:nvPr/>
+        </p:nvSpPr>
+        <p:spPr>
+          <a:xfrm>
+            <a:off x="1162974" y="1660123"/>
+            <a:ext cx="10085033" cy="2246769"/>
+          </a:xfrm>
+          <a:prstGeom prst="rect">
+            <a:avLst/>
+          </a:prstGeom>
+          <a:noFill/>
+        </p:spPr>
+        <p:txBody>
+          <a:bodyPr wrap="square" rtlCol="0">
+            <a:spAutoFit/>
+          </a:bodyPr>
+          <a:lstStyle/>
+          <a:p>
+            <a:pPr marL="342900" indent="-342900">
+              <a:buFontTx/>
+              <a:buChar char="-"/>
+            </a:pPr>
+            <a:r>
+              <a:rPr lang="en-GB" altLang="zh-TW" sz="2000" b="1" dirty="0" err="1">
+                <a:effectLst/>
+                <a:latin typeface="微軟正黑體" panose="020B0604030504040204" pitchFamily="34" charset="-120"/>
+                <a:ea typeface="微軟正黑體" panose="020B0604030504040204" pitchFamily="34" charset="-120"/>
+              </a:rPr>
+              <a:t>MusicPlayer</a:t>
+            </a:r>
+            <a:r>
+              <a:rPr lang="zh-TW" altLang="en-US" sz="2000" b="1" dirty="0">
+                <a:latin typeface="微軟正黑體" panose="020B0604030504040204" pitchFamily="34" charset="-120"/>
+                <a:ea typeface="微軟正黑體" panose="020B0604030504040204" pitchFamily="34" charset="-120"/>
+              </a:rPr>
+              <a:t>：管理背景音樂、音效的播放</a:t>
+            </a:r>
+            <a:endParaRPr lang="en-US" altLang="zh-TW" sz="2000" b="1" dirty="0">
+              <a:latin typeface="微軟正黑體" panose="020B0604030504040204" pitchFamily="34" charset="-120"/>
+              <a:ea typeface="微軟正黑體" panose="020B0604030504040204" pitchFamily="34" charset="-120"/>
+            </a:endParaRPr>
+          </a:p>
+          <a:p>
+            <a:pPr marL="342900" indent="-342900">
+              <a:buFontTx/>
+              <a:buChar char="-"/>
+            </a:pPr>
+            <a:endParaRPr lang="en-US" altLang="zh-TW" sz="2000" b="1" dirty="0">
+              <a:latin typeface="微軟正黑體" panose="020B0604030504040204" pitchFamily="34" charset="-120"/>
+              <a:ea typeface="微軟正黑體" panose="020B0604030504040204" pitchFamily="34" charset="-120"/>
+            </a:endParaRPr>
+          </a:p>
+          <a:p>
+            <a:pPr marL="342900" indent="-342900">
+              <a:buFontTx/>
+              <a:buChar char="-"/>
+            </a:pPr>
+            <a:r>
+              <a:rPr lang="en-US" altLang="zh-TW" sz="2000" b="1" dirty="0">
+                <a:latin typeface="微軟正黑體" panose="020B0604030504040204" pitchFamily="34" charset="-120"/>
+                <a:ea typeface="微軟正黑體" panose="020B0604030504040204" pitchFamily="34" charset="-120"/>
+              </a:rPr>
+              <a:t>Constants</a:t>
+            </a:r>
+            <a:r>
+              <a:rPr lang="zh-TW" altLang="en-US" sz="2000" b="1" dirty="0">
+                <a:latin typeface="微軟正黑體" panose="020B0604030504040204" pitchFamily="34" charset="-120"/>
+                <a:ea typeface="微軟正黑體" panose="020B0604030504040204" pitchFamily="34" charset="-120"/>
+              </a:rPr>
+              <a:t>：遊戲的各個參數、玩家和敵人的能力值</a:t>
+            </a:r>
+            <a:endParaRPr lang="en-US" altLang="zh-TW" sz="2000" b="1" dirty="0">
+              <a:latin typeface="微軟正黑體" panose="020B0604030504040204" pitchFamily="34" charset="-120"/>
+              <a:ea typeface="微軟正黑體" panose="020B0604030504040204" pitchFamily="34" charset="-120"/>
+            </a:endParaRPr>
+          </a:p>
+          <a:p>
+            <a:pPr marL="342900" indent="-342900">
+              <a:buFontTx/>
+              <a:buChar char="-"/>
+            </a:pPr>
+            <a:endParaRPr lang="en-US" altLang="zh-TW" sz="2000" b="1" dirty="0">
+              <a:latin typeface="微軟正黑體" panose="020B0604030504040204" pitchFamily="34" charset="-120"/>
+              <a:ea typeface="微軟正黑體" panose="020B0604030504040204" pitchFamily="34" charset="-120"/>
+            </a:endParaRPr>
+          </a:p>
+          <a:p>
+            <a:pPr marL="342900" indent="-342900">
+              <a:buFontTx/>
+              <a:buChar char="-"/>
+            </a:pPr>
+            <a:r>
+              <a:rPr lang="en-US" altLang="zh-TW" sz="2000" b="1" dirty="0" err="1">
+                <a:latin typeface="微軟正黑體" panose="020B0604030504040204" pitchFamily="34" charset="-120"/>
+                <a:ea typeface="微軟正黑體" panose="020B0604030504040204" pitchFamily="34" charset="-120"/>
+              </a:rPr>
+              <a:t>PlayerUI</a:t>
+            </a:r>
+            <a:r>
+              <a:rPr lang="zh-TW" altLang="en-US" sz="2000" b="1" dirty="0">
+                <a:latin typeface="微軟正黑體" panose="020B0604030504040204" pitchFamily="34" charset="-120"/>
+                <a:ea typeface="微軟正黑體" panose="020B0604030504040204" pitchFamily="34" charset="-120"/>
+              </a:rPr>
+              <a:t>：繪製有關玩家的</a:t>
+            </a:r>
+            <a:r>
+              <a:rPr lang="en-US" altLang="zh-TW" sz="2000" b="1" dirty="0">
+                <a:latin typeface="微軟正黑體" panose="020B0604030504040204" pitchFamily="34" charset="-120"/>
+                <a:ea typeface="微軟正黑體" panose="020B0604030504040204" pitchFamily="34" charset="-120"/>
+              </a:rPr>
+              <a:t>UI</a:t>
+            </a:r>
+          </a:p>
+          <a:p>
+            <a:pPr marL="342900" indent="-342900">
+              <a:buFontTx/>
+              <a:buChar char="-"/>
+            </a:pPr>
+            <a:endParaRPr lang="en-US" altLang="zh-TW" sz="2000" b="1" dirty="0">
+              <a:latin typeface="微軟正黑體" panose="020B0604030504040204" pitchFamily="34" charset="-120"/>
+              <a:ea typeface="微軟正黑體" panose="020B0604030504040204" pitchFamily="34" charset="-120"/>
+            </a:endParaRPr>
+          </a:p>
+          <a:p>
+            <a:pPr marL="342900" indent="-342900">
+              <a:buFontTx/>
+              <a:buChar char="-"/>
+            </a:pPr>
+            <a:endParaRPr lang="en-GB" altLang="zh-TW" sz="2000" b="1" dirty="0">
+              <a:latin typeface="微軟正黑體" panose="020B0604030504040204" pitchFamily="34" charset="-120"/>
+              <a:ea typeface="微軟正黑體" panose="020B0604030504040204" pitchFamily="34" charset="-120"/>
+            </a:endParaRPr>
+          </a:p>
+        </p:txBody>
+      </p:sp>
+    </p:spTree>
+    <p:extLst>
+      <p:ext uri="{BB962C8B-B14F-4D97-AF65-F5344CB8AC3E}">
+        <p14:creationId xmlns:p14="http://schemas.microsoft.com/office/powerpoint/2010/main" val="3191958086"/>
       </p:ext>
     </p:extLst>
   </p:cSld>
